--- a/omer_aryeh.pptx
+++ b/omer_aryeh.pptx
@@ -5,18 +5,20 @@
     <p:sldMasterId id="2147483822" r:id="rId1"/>
   </p:sldMasterIdLst>
   <p:notesMasterIdLst>
-    <p:notesMasterId r:id="rId11"/>
+    <p:notesMasterId r:id="rId13"/>
   </p:notesMasterIdLst>
   <p:sldIdLst>
-    <p:sldId id="263" r:id="rId2"/>
-    <p:sldId id="256" r:id="rId3"/>
-    <p:sldId id="257" r:id="rId4"/>
-    <p:sldId id="259" r:id="rId5"/>
-    <p:sldId id="261" r:id="rId6"/>
-    <p:sldId id="258" r:id="rId7"/>
+    <p:sldId id="256" r:id="rId2"/>
+    <p:sldId id="257" r:id="rId3"/>
+    <p:sldId id="259" r:id="rId4"/>
+    <p:sldId id="261" r:id="rId5"/>
+    <p:sldId id="258" r:id="rId6"/>
+    <p:sldId id="266" r:id="rId7"/>
     <p:sldId id="264" r:id="rId8"/>
-    <p:sldId id="260" r:id="rId9"/>
-    <p:sldId id="262" r:id="rId10"/>
+    <p:sldId id="265" r:id="rId9"/>
+    <p:sldId id="267" r:id="rId10"/>
+    <p:sldId id="268" r:id="rId11"/>
+    <p:sldId id="269" r:id="rId12"/>
   </p:sldIdLst>
   <p:sldSz cx="12192000" cy="6858000"/>
   <p:notesSz cx="6858000" cy="9144000"/>
@@ -577,7 +579,7 @@
           <a:p>
             <a:fld id="{BF9C2744-6071-43D3-B396-78537D09FEE0}" type="slidenum">
               <a:rPr lang="en-US" smtClean="0"/>
-              <a:t>2</a:t>
+              <a:t>1</a:t>
             </a:fld>
             <a:endParaRPr lang="en-US"/>
           </a:p>
@@ -722,7 +724,7 @@
           <a:p>
             <a:fld id="{BF9C2744-6071-43D3-B396-78537D09FEE0}" type="slidenum">
               <a:rPr lang="en-US" smtClean="0"/>
-              <a:t>3</a:t>
+              <a:t>2</a:t>
             </a:fld>
             <a:endParaRPr lang="en-US"/>
           </a:p>
@@ -868,7 +870,7 @@
           <a:p>
             <a:fld id="{BF9C2744-6071-43D3-B396-78537D09FEE0}" type="slidenum">
               <a:rPr lang="en-US" smtClean="0"/>
-              <a:t>4</a:t>
+              <a:t>3</a:t>
             </a:fld>
             <a:endParaRPr lang="en-US"/>
           </a:p>
@@ -1032,7 +1034,7 @@
           <a:p>
             <a:fld id="{BF9C2744-6071-43D3-B396-78537D09FEE0}" type="slidenum">
               <a:rPr lang="en-US" smtClean="0"/>
-              <a:t>5</a:t>
+              <a:t>4</a:t>
             </a:fld>
             <a:endParaRPr lang="en-US"/>
           </a:p>
@@ -1168,61 +1170,18 @@
           <a:p>
             <a:pPr algn="r" rtl="1"/>
             <a:r>
-              <a:rPr lang="he-IL" dirty="0" smtClean="0"/>
-              <a:t>דארפא:</a:t>
-            </a:r>
-            <a:r>
-              <a:rPr lang="he-IL" baseline="0" dirty="0" smtClean="0"/>
-              <a:t> לציין </a:t>
-            </a:r>
-            <a:r>
-              <a:rPr lang="he-IL" baseline="0" dirty="0" smtClean="0"/>
-              <a:t>שהם השתמשו ב</a:t>
-            </a:r>
-            <a:r>
-              <a:rPr lang="en-US" baseline="0" dirty="0" smtClean="0"/>
-              <a:t>LSTM</a:t>
-            </a:r>
-            <a:r>
-              <a:rPr lang="he-IL" baseline="0" dirty="0" smtClean="0"/>
-              <a:t>, להסביר את הרעיון </a:t>
-            </a:r>
-            <a:r>
-              <a:rPr lang="he-IL" baseline="0" dirty="0" smtClean="0"/>
-              <a:t>המגניב שלהם. </a:t>
-            </a:r>
-            <a:r>
-              <a:rPr lang="he-IL" baseline="0" dirty="0" smtClean="0"/>
-              <a:t>לציין שהם </a:t>
-            </a:r>
-            <a:r>
-              <a:rPr lang="he-IL" baseline="0" dirty="0" smtClean="0"/>
-              <a:t>נכשלו (</a:t>
-            </a:r>
-            <a:r>
-              <a:rPr lang="en-US" baseline="0" dirty="0" smtClean="0"/>
-              <a:t>TODO</a:t>
-            </a:r>
-            <a:r>
-              <a:rPr lang="he-IL" baseline="0" dirty="0" smtClean="0"/>
-              <a:t>: להבין מה האלגוריתם הבסיסי שניצח אותם). להסביר שהם היחידם שאנחנו יכולים </a:t>
-            </a:r>
-            <a:r>
-              <a:rPr lang="he-IL" baseline="0" dirty="0" smtClean="0"/>
-              <a:t>להשוות </a:t>
-            </a:r>
-            <a:r>
-              <a:rPr lang="he-IL" baseline="0" dirty="0" smtClean="0"/>
-              <a:t>אליהם תוצאות אבל גם זה לא הכי טוב (חלוקת אימון/טסט, רצפים באורך משתנה).</a:t>
-            </a:r>
-            <a:r>
-              <a:rPr lang="en-US" baseline="0" dirty="0" smtClean="0"/>
-              <a:t/>
-            </a:r>
-            <a:br>
-              <a:rPr lang="en-US" baseline="0" dirty="0" smtClean="0"/>
-            </a:br>
-            <a:endParaRPr lang="en-US" dirty="0"/>
+              <a:rPr lang="he-IL" sz="1200" baseline="0" dirty="0" smtClean="0"/>
+              <a:t>דארפא: בשקופית הבאה, כאן רק להגיד שהם עשו </a:t>
+            </a:r>
+            <a:r>
+              <a:rPr lang="en-US" sz="1200" baseline="0" dirty="0" smtClean="0"/>
+              <a:t>unsupervised</a:t>
+            </a:r>
+            <a:r>
+              <a:rPr lang="he-IL" sz="1200" baseline="0" dirty="0" smtClean="0"/>
+              <a:t>, ושהם בעצם היחידם שנשארו שאפשר להשוות (השתמשו בדאטאסט שלנו). </a:t>
+            </a:r>
+            <a:endParaRPr lang="en-US" sz="1200" baseline="0" dirty="0" smtClean="0"/>
           </a:p>
         </p:txBody>
       </p:sp>
@@ -1243,7 +1202,7 @@
           <a:p>
             <a:fld id="{BF9C2744-6071-43D3-B396-78537D09FEE0}" type="slidenum">
               <a:rPr lang="en-US" smtClean="0"/>
-              <a:t>6</a:t>
+              <a:t>5</a:t>
             </a:fld>
             <a:endParaRPr lang="en-US"/>
           </a:p>
@@ -1306,15 +1265,58 @@
           <a:bodyPr/>
           <a:lstStyle/>
           <a:p>
+            <a:pPr marL="0" marR="0" lvl="0" indent="0" algn="r" defTabSz="914400" rtl="1" eaLnBrk="1" fontAlgn="auto" latinLnBrk="0" hangingPunct="1">
+              <a:lnSpc>
+                <a:spcPct val="100000"/>
+              </a:lnSpc>
+              <a:spcBef>
+                <a:spcPts val="0"/>
+              </a:spcBef>
+              <a:spcAft>
+                <a:spcPts val="0"/>
+              </a:spcAft>
+              <a:buClrTx/>
+              <a:buSzTx/>
+              <a:buFontTx/>
+              <a:buNone/>
+              <a:tabLst/>
+              <a:defRPr/>
+            </a:pPr>
+            <a:r>
+              <a:rPr lang="he-IL" dirty="0" smtClean="0"/>
+              <a:t>דארפא:</a:t>
+            </a:r>
+            <a:r>
+              <a:rPr lang="he-IL" baseline="0" dirty="0" smtClean="0"/>
+              <a:t> לציין שהם השתמשו ב</a:t>
+            </a:r>
+            <a:r>
+              <a:rPr lang="en-US" baseline="0" dirty="0" smtClean="0"/>
+              <a:t>LSTM</a:t>
+            </a:r>
+            <a:r>
+              <a:rPr lang="he-IL" baseline="0" dirty="0" smtClean="0"/>
+              <a:t>, להסביר את הרעיון המגניב שלהם. לציין שהם נכשלו (</a:t>
+            </a:r>
+            <a:r>
+              <a:rPr lang="en-US" baseline="0" dirty="0" smtClean="0"/>
+              <a:t>TODO</a:t>
+            </a:r>
+            <a:r>
+              <a:rPr lang="he-IL" baseline="0" dirty="0" smtClean="0"/>
+              <a:t>: להבין מה האלגוריתם הבסיסי שניצח אותם). להסביר שהם היחידם שאנחנו יכולים להשוות אליהם תוצאות אבל גם זה לא הכי טוב (חלוקת אימון/טסט, רצפים באורך משתנה).</a:t>
+            </a:r>
+            <a:r>
+              <a:rPr lang="en-US" baseline="0" dirty="0" smtClean="0"/>
+              <a:t/>
+            </a:r>
+            <a:br>
+              <a:rPr lang="en-US" baseline="0" dirty="0" smtClean="0"/>
+            </a:br>
+            <a:endParaRPr lang="en-US" dirty="0" smtClean="0"/>
+          </a:p>
+          <a:p>
             <a:pPr algn="r" rtl="1"/>
-            <a:r>
-              <a:rPr lang="he-IL" dirty="0" smtClean="0"/>
-              <a:t>כאן עצרתי</a:t>
-            </a:r>
-            <a:r>
-              <a:rPr lang="he-IL" baseline="0" dirty="0" smtClean="0"/>
-              <a:t> כרגע. צריך להציג את 2 הגישות שלנו ואת התוצאות שלהם (שני השקפים הבאים, כל אחד פעמיים).</a:t>
-            </a:r>
             <a:endParaRPr lang="en-US" dirty="0"/>
           </a:p>
         </p:txBody>
@@ -1336,7 +1338,7 @@
           <a:p>
             <a:fld id="{BF9C2744-6071-43D3-B396-78537D09FEE0}" type="slidenum">
               <a:rPr lang="en-US" smtClean="0"/>
-              <a:t>7</a:t>
+              <a:t>6</a:t>
             </a:fld>
             <a:endParaRPr lang="en-US"/>
           </a:p>
@@ -1345,7 +1347,7 @@
     </p:spTree>
     <p:extLst>
       <p:ext uri="{BB962C8B-B14F-4D97-AF65-F5344CB8AC3E}">
-        <p14:creationId xmlns:p14="http://schemas.microsoft.com/office/powerpoint/2010/main" val="2393742250"/>
+        <p14:creationId xmlns:p14="http://schemas.microsoft.com/office/powerpoint/2010/main" val="3935665864"/>
       </p:ext>
     </p:extLst>
   </p:cSld>
@@ -1399,6 +1401,15 @@
           <a:bodyPr/>
           <a:lstStyle/>
           <a:p>
+            <a:pPr algn="r" rtl="1"/>
+            <a:r>
+              <a:rPr lang="he-IL" dirty="0" smtClean="0"/>
+              <a:t>כאן עצרתי</a:t>
+            </a:r>
+            <a:r>
+              <a:rPr lang="he-IL" baseline="0" dirty="0" smtClean="0"/>
+              <a:t> כרגע. צריך להציג את 2 הגישות שלנו ואת התוצאות שלהם (שני השקפים הבאים, כל אחד פעמיים).</a:t>
+            </a:r>
             <a:endParaRPr lang="en-US" dirty="0"/>
           </a:p>
         </p:txBody>
@@ -1420,7 +1431,7 @@
           <a:p>
             <a:fld id="{BF9C2744-6071-43D3-B396-78537D09FEE0}" type="slidenum">
               <a:rPr lang="en-US" smtClean="0"/>
-              <a:t>8</a:t>
+              <a:t>7</a:t>
             </a:fld>
             <a:endParaRPr lang="en-US"/>
           </a:p>
@@ -1429,7 +1440,7 @@
     </p:spTree>
     <p:extLst>
       <p:ext uri="{BB962C8B-B14F-4D97-AF65-F5344CB8AC3E}">
-        <p14:creationId xmlns:p14="http://schemas.microsoft.com/office/powerpoint/2010/main" val="991579035"/>
+        <p14:creationId xmlns:p14="http://schemas.microsoft.com/office/powerpoint/2010/main" val="2393742250"/>
       </p:ext>
     </p:extLst>
   </p:cSld>
@@ -1483,15 +1494,6 @@
           <a:bodyPr/>
           <a:lstStyle/>
           <a:p>
-            <a:pPr algn="r" rtl="1"/>
-            <a:r>
-              <a:rPr lang="he-IL" dirty="0" smtClean="0"/>
-              <a:t>רק העתקתי</a:t>
-            </a:r>
-            <a:r>
-              <a:rPr lang="he-IL" baseline="0" dirty="0" smtClean="0"/>
-              <a:t> לפה כל מיני תוצאות שלי</a:t>
-            </a:r>
             <a:endParaRPr lang="en-US" dirty="0"/>
           </a:p>
         </p:txBody>
@@ -1513,7 +1515,7 @@
           <a:p>
             <a:fld id="{BF9C2744-6071-43D3-B396-78537D09FEE0}" type="slidenum">
               <a:rPr lang="en-US" smtClean="0"/>
-              <a:t>9</a:t>
+              <a:t>8</a:t>
             </a:fld>
             <a:endParaRPr lang="en-US"/>
           </a:p>
@@ -1522,7 +1524,91 @@
     </p:spTree>
     <p:extLst>
       <p:ext uri="{BB962C8B-B14F-4D97-AF65-F5344CB8AC3E}">
-        <p14:creationId xmlns:p14="http://schemas.microsoft.com/office/powerpoint/2010/main" val="2223284518"/>
+        <p14:creationId xmlns:p14="http://schemas.microsoft.com/office/powerpoint/2010/main" val="1893947943"/>
+      </p:ext>
+    </p:extLst>
+  </p:cSld>
+  <p:clrMapOvr>
+    <a:masterClrMapping/>
+  </p:clrMapOvr>
+</p:notes>
+</file>
+
+<file path=ppt/notesSlides/notesSlide9.xml><?xml version="1.0" encoding="utf-8"?>
+<p:notes xmlns:a="http://schemas.openxmlformats.org/drawingml/2006/main" xmlns:r="http://schemas.openxmlformats.org/officeDocument/2006/relationships" xmlns:p="http://schemas.openxmlformats.org/presentationml/2006/main">
+  <p:cSld>
+    <p:spTree>
+      <p:nvGrpSpPr>
+        <p:cNvPr id="1" name=""/>
+        <p:cNvGrpSpPr/>
+        <p:nvPr/>
+      </p:nvGrpSpPr>
+      <p:grpSpPr>
+        <a:xfrm>
+          <a:off x="0" y="0"/>
+          <a:ext cx="0" cy="0"/>
+          <a:chOff x="0" y="0"/>
+          <a:chExt cx="0" cy="0"/>
+        </a:xfrm>
+      </p:grpSpPr>
+      <p:sp>
+        <p:nvSpPr>
+          <p:cNvPr id="2" name="Slide Image Placeholder 1"/>
+          <p:cNvSpPr>
+            <a:spLocks noGrp="1" noRot="1" noChangeAspect="1"/>
+          </p:cNvSpPr>
+          <p:nvPr>
+            <p:ph type="sldImg"/>
+          </p:nvPr>
+        </p:nvSpPr>
+        <p:spPr/>
+      </p:sp>
+      <p:sp>
+        <p:nvSpPr>
+          <p:cNvPr id="3" name="Notes Placeholder 2"/>
+          <p:cNvSpPr>
+            <a:spLocks noGrp="1"/>
+          </p:cNvSpPr>
+          <p:nvPr>
+            <p:ph type="body" idx="1"/>
+          </p:nvPr>
+        </p:nvSpPr>
+        <p:spPr/>
+        <p:txBody>
+          <a:bodyPr/>
+          <a:lstStyle/>
+          <a:p>
+            <a:endParaRPr lang="en-US" dirty="0"/>
+          </a:p>
+        </p:txBody>
+      </p:sp>
+      <p:sp>
+        <p:nvSpPr>
+          <p:cNvPr id="4" name="Slide Number Placeholder 3"/>
+          <p:cNvSpPr>
+            <a:spLocks noGrp="1"/>
+          </p:cNvSpPr>
+          <p:nvPr>
+            <p:ph type="sldNum" sz="quarter" idx="10"/>
+          </p:nvPr>
+        </p:nvSpPr>
+        <p:spPr/>
+        <p:txBody>
+          <a:bodyPr/>
+          <a:lstStyle/>
+          <a:p>
+            <a:fld id="{BF9C2744-6071-43D3-B396-78537D09FEE0}" type="slidenum">
+              <a:rPr lang="en-US" smtClean="0"/>
+              <a:t>10</a:t>
+            </a:fld>
+            <a:endParaRPr lang="en-US"/>
+          </a:p>
+        </p:txBody>
+      </p:sp>
+    </p:spTree>
+    <p:extLst>
+      <p:ext uri="{BB962C8B-B14F-4D97-AF65-F5344CB8AC3E}">
+        <p14:creationId xmlns:p14="http://schemas.microsoft.com/office/powerpoint/2010/main" val="4086982293"/>
       </p:ext>
     </p:extLst>
   </p:cSld>
@@ -4964,149 +5050,6 @@
             <a:spLocks noGrp="1"/>
           </p:cNvSpPr>
           <p:nvPr>
-            <p:ph type="title"/>
-          </p:nvPr>
-        </p:nvSpPr>
-        <p:spPr/>
-        <p:txBody>
-          <a:bodyPr/>
-          <a:lstStyle/>
-          <a:p>
-            <a:endParaRPr lang="en-US"/>
-          </a:p>
-        </p:txBody>
-      </p:sp>
-      <p:sp>
-        <p:nvSpPr>
-          <p:cNvPr id="3" name="Content Placeholder 2"/>
-          <p:cNvSpPr>
-            <a:spLocks noGrp="1"/>
-          </p:cNvSpPr>
-          <p:nvPr>
-            <p:ph idx="1"/>
-          </p:nvPr>
-        </p:nvSpPr>
-        <p:spPr/>
-        <p:txBody>
-          <a:bodyPr>
-            <a:noAutofit/>
-          </a:bodyPr>
-          <a:lstStyle/>
-          <a:p>
-            <a:pPr marL="0" indent="0" algn="r" rtl="1">
-              <a:buNone/>
-            </a:pPr>
-            <a:r>
-              <a:rPr lang="he-IL" sz="4800" dirty="0" smtClean="0"/>
-              <a:t>לעומר:</a:t>
-            </a:r>
-          </a:p>
-          <a:p>
-            <a:pPr marL="342900" indent="-342900" algn="r" rtl="1">
-              <a:buAutoNum type="arabicPeriod"/>
-            </a:pPr>
-            <a:r>
-              <a:rPr lang="he-IL" sz="4800" dirty="0" smtClean="0"/>
-              <a:t>שים לב לקרוא את ההערות למטה</a:t>
-            </a:r>
-          </a:p>
-          <a:p>
-            <a:pPr marL="342900" indent="-342900" algn="r" rtl="1">
-              <a:buAutoNum type="arabicPeriod"/>
-            </a:pPr>
-            <a:r>
-              <a:rPr lang="he-IL" sz="4800" dirty="0" smtClean="0"/>
-              <a:t>תראה את המצגת בהצגת שקופיות כדי לא לפספס דברים.</a:t>
-            </a:r>
-            <a:endParaRPr lang="en-US" sz="4800" dirty="0"/>
-          </a:p>
-        </p:txBody>
-      </p:sp>
-      <p:sp>
-        <p:nvSpPr>
-          <p:cNvPr id="4" name="Date Placeholder 3"/>
-          <p:cNvSpPr>
-            <a:spLocks noGrp="1"/>
-          </p:cNvSpPr>
-          <p:nvPr>
-            <p:ph type="dt" sz="half" idx="10"/>
-          </p:nvPr>
-        </p:nvSpPr>
-        <p:spPr/>
-        <p:txBody>
-          <a:bodyPr/>
-          <a:lstStyle/>
-          <a:p>
-            <a:fld id="{1C1FBBDB-9DA1-4AA6-A990-B1A599CBC769}" type="datetime2">
-              <a:rPr lang="en-US" smtClean="0"/>
-              <a:t>Friday, June 8, 2018</a:t>
-            </a:fld>
-            <a:endParaRPr lang="he-IL"/>
-          </a:p>
-        </p:txBody>
-      </p:sp>
-      <p:sp>
-        <p:nvSpPr>
-          <p:cNvPr id="5" name="Slide Number Placeholder 4"/>
-          <p:cNvSpPr>
-            <a:spLocks noGrp="1"/>
-          </p:cNvSpPr>
-          <p:nvPr>
-            <p:ph type="sldNum" sz="quarter" idx="12"/>
-          </p:nvPr>
-        </p:nvSpPr>
-        <p:spPr/>
-        <p:txBody>
-          <a:bodyPr>
-            <a:normAutofit lnSpcReduction="10000"/>
-          </a:bodyPr>
-          <a:lstStyle/>
-          <a:p>
-            <a:fld id="{743963A5-983F-4C9F-916D-9E761517F3D1}" type="slidenum">
-              <a:rPr lang="he-IL" smtClean="0"/>
-              <a:t>1</a:t>
-            </a:fld>
-            <a:endParaRPr lang="he-IL"/>
-          </a:p>
-        </p:txBody>
-      </p:sp>
-    </p:spTree>
-    <p:extLst>
-      <p:ext uri="{BB962C8B-B14F-4D97-AF65-F5344CB8AC3E}">
-        <p14:creationId xmlns:p14="http://schemas.microsoft.com/office/powerpoint/2010/main" val="4172933009"/>
-      </p:ext>
-    </p:extLst>
-  </p:cSld>
-  <p:clrMapOvr>
-    <a:masterClrMapping/>
-  </p:clrMapOvr>
-</p:sld>
-</file>
-
-<file path=ppt/slides/slide2.xml><?xml version="1.0" encoding="utf-8"?>
-<p:sld xmlns:a="http://schemas.openxmlformats.org/drawingml/2006/main" xmlns:r="http://schemas.openxmlformats.org/officeDocument/2006/relationships" xmlns:p="http://schemas.openxmlformats.org/presentationml/2006/main">
-  <p:cSld>
-    <p:spTree>
-      <p:nvGrpSpPr>
-        <p:cNvPr id="1" name=""/>
-        <p:cNvGrpSpPr/>
-        <p:nvPr/>
-      </p:nvGrpSpPr>
-      <p:grpSpPr>
-        <a:xfrm>
-          <a:off x="0" y="0"/>
-          <a:ext cx="0" cy="0"/>
-          <a:chOff x="0" y="0"/>
-          <a:chExt cx="0" cy="0"/>
-        </a:xfrm>
-      </p:grpSpPr>
-      <p:sp>
-        <p:nvSpPr>
-          <p:cNvPr id="2" name="Title 1"/>
-          <p:cNvSpPr>
-            <a:spLocks noGrp="1"/>
-          </p:cNvSpPr>
-          <p:nvPr>
             <p:ph type="ctrTitle"/>
           </p:nvPr>
         </p:nvSpPr>
@@ -5147,6 +5090,10 @@
             <a:endParaRPr lang="en-US" dirty="0" smtClean="0"/>
           </a:p>
           <a:p>
+            <a:r>
+              <a:rPr lang="en-US" dirty="0" smtClean="0"/>
+              <a:t>June 2018</a:t>
+            </a:r>
             <a:endParaRPr lang="en-US" dirty="0"/>
           </a:p>
           <a:p>
@@ -5211,30 +5158,7 @@
           <a:p>
             <a:fld id="{743963A5-983F-4C9F-916D-9E761517F3D1}" type="slidenum">
               <a:rPr lang="he-IL" smtClean="0"/>
-              <a:t>2</a:t>
-            </a:fld>
-            <a:endParaRPr lang="he-IL"/>
-          </a:p>
-        </p:txBody>
-      </p:sp>
-      <p:sp>
-        <p:nvSpPr>
-          <p:cNvPr id="7" name="Date Placeholder 6"/>
-          <p:cNvSpPr>
-            <a:spLocks noGrp="1"/>
-          </p:cNvSpPr>
-          <p:nvPr>
-            <p:ph type="dt" sz="half" idx="10"/>
-          </p:nvPr>
-        </p:nvSpPr>
-        <p:spPr/>
-        <p:txBody>
-          <a:bodyPr/>
-          <a:lstStyle/>
-          <a:p>
-            <a:fld id="{D297BBA1-6C8B-4278-80D8-C6EC370F7DC2}" type="datetime2">
-              <a:rPr lang="en-US" smtClean="0"/>
-              <a:t>Friday, June 8, 2018</a:t>
+              <a:t>1</a:t>
             </a:fld>
             <a:endParaRPr lang="he-IL"/>
           </a:p>
@@ -5260,7 +5184,486 @@
 </p:sld>
 </file>
 
-<file path=ppt/slides/slide3.xml><?xml version="1.0" encoding="utf-8"?>
+<file path=ppt/slides/slide10.xml><?xml version="1.0" encoding="utf-8"?>
+<p:sld xmlns:a="http://schemas.openxmlformats.org/drawingml/2006/main" xmlns:r="http://schemas.openxmlformats.org/officeDocument/2006/relationships" xmlns:p="http://schemas.openxmlformats.org/presentationml/2006/main">
+  <p:cSld>
+    <p:spTree>
+      <p:nvGrpSpPr>
+        <p:cNvPr id="1" name=""/>
+        <p:cNvGrpSpPr/>
+        <p:nvPr/>
+      </p:nvGrpSpPr>
+      <p:grpSpPr>
+        <a:xfrm>
+          <a:off x="0" y="0"/>
+          <a:ext cx="0" cy="0"/>
+          <a:chOff x="0" y="0"/>
+          <a:chExt cx="0" cy="0"/>
+        </a:xfrm>
+      </p:grpSpPr>
+      <p:sp>
+        <p:nvSpPr>
+          <p:cNvPr id="3" name="Content Placeholder 2"/>
+          <p:cNvSpPr>
+            <a:spLocks noGrp="1"/>
+          </p:cNvSpPr>
+          <p:nvPr>
+            <p:ph idx="1"/>
+          </p:nvPr>
+        </p:nvSpPr>
+        <p:spPr>
+          <a:xfrm>
+            <a:off x="355596" y="1047905"/>
+            <a:ext cx="2975059" cy="1723292"/>
+          </a:xfrm>
+        </p:spPr>
+        <p:txBody>
+          <a:bodyPr>
+            <a:normAutofit/>
+          </a:bodyPr>
+          <a:lstStyle/>
+          <a:p>
+            <a:endParaRPr lang="en-US" dirty="0"/>
+          </a:p>
+        </p:txBody>
+      </p:sp>
+      <p:sp>
+        <p:nvSpPr>
+          <p:cNvPr id="5" name="Slide Number Placeholder 4"/>
+          <p:cNvSpPr>
+            <a:spLocks noGrp="1"/>
+          </p:cNvSpPr>
+          <p:nvPr>
+            <p:ph type="sldNum" sz="quarter" idx="12"/>
+          </p:nvPr>
+        </p:nvSpPr>
+        <p:spPr/>
+        <p:txBody>
+          <a:bodyPr>
+            <a:normAutofit lnSpcReduction="10000"/>
+          </a:bodyPr>
+          <a:lstStyle/>
+          <a:p>
+            <a:fld id="{743963A5-983F-4C9F-916D-9E761517F3D1}" type="slidenum">
+              <a:rPr lang="he-IL" smtClean="0"/>
+              <a:t>10</a:t>
+            </a:fld>
+            <a:endParaRPr lang="he-IL"/>
+          </a:p>
+        </p:txBody>
+      </p:sp>
+      <p:pic>
+        <p:nvPicPr>
+          <p:cNvPr id="11" name="Picture 10"/>
+          <p:cNvPicPr>
+            <a:picLocks noChangeAspect="1"/>
+          </p:cNvPicPr>
+          <p:nvPr/>
+        </p:nvPicPr>
+        <p:blipFill>
+          <a:blip r:embed="rId3"/>
+          <a:stretch>
+            <a:fillRect/>
+          </a:stretch>
+        </p:blipFill>
+        <p:spPr>
+          <a:xfrm>
+            <a:off x="7276400" y="421120"/>
+            <a:ext cx="3866481" cy="2890403"/>
+          </a:xfrm>
+          <a:prstGeom prst="rect">
+            <a:avLst/>
+          </a:prstGeom>
+          <a:noFill/>
+          <a:ln>
+            <a:solidFill>
+              <a:srgbClr val="FF0000"/>
+            </a:solidFill>
+          </a:ln>
+        </p:spPr>
+      </p:pic>
+      <p:pic>
+        <p:nvPicPr>
+          <p:cNvPr id="12" name="Picture 11"/>
+          <p:cNvPicPr>
+            <a:picLocks noChangeAspect="1"/>
+          </p:cNvPicPr>
+          <p:nvPr/>
+        </p:nvPicPr>
+        <p:blipFill>
+          <a:blip r:embed="rId4"/>
+          <a:stretch>
+            <a:fillRect/>
+          </a:stretch>
+        </p:blipFill>
+        <p:spPr>
+          <a:xfrm>
+            <a:off x="7276401" y="3350433"/>
+            <a:ext cx="3866480" cy="2860677"/>
+          </a:xfrm>
+          <a:prstGeom prst="rect">
+            <a:avLst/>
+          </a:prstGeom>
+          <a:ln>
+            <a:solidFill>
+              <a:srgbClr val="00B0F0"/>
+            </a:solidFill>
+          </a:ln>
+        </p:spPr>
+      </p:pic>
+      <p:sp>
+        <p:nvSpPr>
+          <p:cNvPr id="13" name="Title 1"/>
+          <p:cNvSpPr txBox="1">
+            <a:spLocks/>
+          </p:cNvSpPr>
+          <p:nvPr/>
+        </p:nvSpPr>
+        <p:spPr>
+          <a:xfrm>
+            <a:off x="7584308" y="565234"/>
+            <a:ext cx="1448032" cy="670391"/>
+          </a:xfrm>
+          <a:prstGeom prst="rect">
+            <a:avLst/>
+          </a:prstGeom>
+        </p:spPr>
+        <p:txBody>
+          <a:bodyPr vert="horz" lIns="91440" tIns="45720" rIns="91440" bIns="45720" rtlCol="0" anchor="b">
+            <a:normAutofit/>
+          </a:bodyPr>
+          <a:lstStyle>
+            <a:lvl1pPr algn="l" defTabSz="914400" rtl="0" eaLnBrk="1" latinLnBrk="0" hangingPunct="1">
+              <a:lnSpc>
+                <a:spcPct val="90000"/>
+              </a:lnSpc>
+              <a:spcBef>
+                <a:spcPct val="0"/>
+              </a:spcBef>
+              <a:buNone/>
+              <a:defRPr sz="4400" kern="1200" spc="-50" baseline="0">
+                <a:solidFill>
+                  <a:schemeClr val="tx1"/>
+                </a:solidFill>
+                <a:latin typeface="+mj-lt"/>
+                <a:ea typeface="+mj-ea"/>
+                <a:cs typeface="+mj-cs"/>
+              </a:defRPr>
+            </a:lvl1pPr>
+          </a:lstStyle>
+          <a:p>
+            <a:r>
+              <a:rPr lang="en-US" sz="2400" dirty="0" smtClean="0">
+                <a:solidFill>
+                  <a:srgbClr val="FF0000"/>
+                </a:solidFill>
+              </a:rPr>
+              <a:t>LSTM</a:t>
+            </a:r>
+            <a:endParaRPr lang="he-IL" sz="2400" dirty="0">
+              <a:solidFill>
+                <a:srgbClr val="FF0000"/>
+              </a:solidFill>
+            </a:endParaRPr>
+          </a:p>
+        </p:txBody>
+      </p:sp>
+      <p:sp>
+        <p:nvSpPr>
+          <p:cNvPr id="14" name="Title 1"/>
+          <p:cNvSpPr txBox="1">
+            <a:spLocks/>
+          </p:cNvSpPr>
+          <p:nvPr/>
+        </p:nvSpPr>
+        <p:spPr>
+          <a:xfrm>
+            <a:off x="7584308" y="3436356"/>
+            <a:ext cx="1817981" cy="670391"/>
+          </a:xfrm>
+          <a:prstGeom prst="rect">
+            <a:avLst/>
+          </a:prstGeom>
+        </p:spPr>
+        <p:txBody>
+          <a:bodyPr vert="horz" lIns="91440" tIns="45720" rIns="91440" bIns="45720" rtlCol="0" anchor="b">
+            <a:normAutofit/>
+          </a:bodyPr>
+          <a:lstStyle>
+            <a:lvl1pPr algn="l" defTabSz="914400" rtl="0" eaLnBrk="1" latinLnBrk="0" hangingPunct="1">
+              <a:lnSpc>
+                <a:spcPct val="90000"/>
+              </a:lnSpc>
+              <a:spcBef>
+                <a:spcPct val="0"/>
+              </a:spcBef>
+              <a:buNone/>
+              <a:defRPr sz="4400" kern="1200" spc="-50" baseline="0">
+                <a:solidFill>
+                  <a:schemeClr val="tx1"/>
+                </a:solidFill>
+                <a:latin typeface="+mj-lt"/>
+                <a:ea typeface="+mj-ea"/>
+                <a:cs typeface="+mj-cs"/>
+              </a:defRPr>
+            </a:lvl1pPr>
+          </a:lstStyle>
+          <a:p>
+            <a:r>
+              <a:rPr lang="en-US" sz="2400" dirty="0" smtClean="0">
+                <a:solidFill>
+                  <a:srgbClr val="00B0F0"/>
+                </a:solidFill>
+              </a:rPr>
+              <a:t>Frequency</a:t>
+            </a:r>
+            <a:endParaRPr lang="he-IL" sz="2400" dirty="0">
+              <a:solidFill>
+                <a:srgbClr val="00B0F0"/>
+              </a:solidFill>
+            </a:endParaRPr>
+          </a:p>
+        </p:txBody>
+      </p:sp>
+      <p:sp>
+        <p:nvSpPr>
+          <p:cNvPr id="15" name="Title 1"/>
+          <p:cNvSpPr>
+            <a:spLocks noGrp="1"/>
+          </p:cNvSpPr>
+          <p:nvPr>
+            <p:ph type="title"/>
+          </p:nvPr>
+        </p:nvSpPr>
+        <p:spPr>
+          <a:xfrm>
+            <a:off x="241963" y="-457206"/>
+            <a:ext cx="9692640" cy="1325562"/>
+          </a:xfrm>
+        </p:spPr>
+        <p:txBody>
+          <a:bodyPr/>
+          <a:lstStyle/>
+          <a:p>
+            <a:r>
+              <a:rPr lang="en-US" dirty="0" smtClean="0"/>
+              <a:t>Results</a:t>
+            </a:r>
+            <a:endParaRPr lang="en-US" dirty="0"/>
+          </a:p>
+        </p:txBody>
+      </p:sp>
+    </p:spTree>
+    <p:extLst>
+      <p:ext uri="{BB962C8B-B14F-4D97-AF65-F5344CB8AC3E}">
+        <p14:creationId xmlns:p14="http://schemas.microsoft.com/office/powerpoint/2010/main" val="4083694876"/>
+      </p:ext>
+    </p:extLst>
+  </p:cSld>
+  <p:clrMapOvr>
+    <a:masterClrMapping/>
+  </p:clrMapOvr>
+  <p:timing>
+    <p:tnLst>
+      <p:par>
+        <p:cTn id="1" dur="indefinite" restart="never" nodeType="tmRoot">
+          <p:childTnLst>
+            <p:seq concurrent="1" nextAc="seek">
+              <p:cTn id="2" dur="indefinite" nodeType="mainSeq">
+                <p:childTnLst>
+                  <p:par>
+                    <p:cTn id="3" fill="hold">
+                      <p:stCondLst>
+                        <p:cond delay="indefinite"/>
+                      </p:stCondLst>
+                      <p:childTnLst>
+                        <p:par>
+                          <p:cTn id="4" fill="hold">
+                            <p:stCondLst>
+                              <p:cond delay="0"/>
+                            </p:stCondLst>
+                            <p:childTnLst>
+                              <p:par>
+                                <p:cTn id="5" presetID="1" presetClass="entr" presetSubtype="0" fill="hold" grpId="0" nodeType="clickEffect" nodePh="1">
+                                  <p:stCondLst>
+                                    <p:cond delay="0"/>
+                                  </p:stCondLst>
+                                  <p:endCondLst>
+                                    <p:cond evt="begin" delay="0">
+                                      <p:tn val="5"/>
+                                    </p:cond>
+                                  </p:endCondLst>
+                                  <p:childTnLst>
+                                    <p:set>
+                                      <p:cBhvr>
+                                        <p:cTn id="6" dur="1" fill="hold">
+                                          <p:stCondLst>
+                                            <p:cond delay="0"/>
+                                          </p:stCondLst>
+                                        </p:cTn>
+                                        <p:tgtEl>
+                                          <p:spTgt spid="3">
+                                            <p:txEl>
+                                              <p:pRg st="0" end="0"/>
+                                            </p:txEl>
+                                          </p:spTgt>
+                                        </p:tgtEl>
+                                        <p:attrNameLst>
+                                          <p:attrName>style.visibility</p:attrName>
+                                        </p:attrNameLst>
+                                      </p:cBhvr>
+                                      <p:to>
+                                        <p:strVal val="visible"/>
+                                      </p:to>
+                                    </p:set>
+                                  </p:childTnLst>
+                                </p:cTn>
+                              </p:par>
+                            </p:childTnLst>
+                          </p:cTn>
+                        </p:par>
+                      </p:childTnLst>
+                    </p:cTn>
+                  </p:par>
+                </p:childTnLst>
+              </p:cTn>
+              <p:prevCondLst>
+                <p:cond evt="onPrev" delay="0">
+                  <p:tgtEl>
+                    <p:sldTgt/>
+                  </p:tgtEl>
+                </p:cond>
+              </p:prevCondLst>
+              <p:nextCondLst>
+                <p:cond evt="onNext" delay="0">
+                  <p:tgtEl>
+                    <p:sldTgt/>
+                  </p:tgtEl>
+                </p:cond>
+              </p:nextCondLst>
+            </p:seq>
+          </p:childTnLst>
+        </p:cTn>
+      </p:par>
+    </p:tnLst>
+    <p:bldLst>
+      <p:bldP spid="3" grpId="0" uiExpand="1" build="p"/>
+    </p:bldLst>
+  </p:timing>
+</p:sld>
+</file>
+
+<file path=ppt/slides/slide11.xml><?xml version="1.0" encoding="utf-8"?>
+<p:sld xmlns:a="http://schemas.openxmlformats.org/drawingml/2006/main" xmlns:r="http://schemas.openxmlformats.org/officeDocument/2006/relationships" xmlns:p="http://schemas.openxmlformats.org/presentationml/2006/main">
+  <p:cSld>
+    <p:spTree>
+      <p:nvGrpSpPr>
+        <p:cNvPr id="1" name=""/>
+        <p:cNvGrpSpPr/>
+        <p:nvPr/>
+      </p:nvGrpSpPr>
+      <p:grpSpPr>
+        <a:xfrm>
+          <a:off x="0" y="0"/>
+          <a:ext cx="0" cy="0"/>
+          <a:chOff x="0" y="0"/>
+          <a:chExt cx="0" cy="0"/>
+        </a:xfrm>
+      </p:grpSpPr>
+      <p:sp>
+        <p:nvSpPr>
+          <p:cNvPr id="2" name="Title 1"/>
+          <p:cNvSpPr>
+            <a:spLocks noGrp="1"/>
+          </p:cNvSpPr>
+          <p:nvPr>
+            <p:ph type="title"/>
+          </p:nvPr>
+        </p:nvSpPr>
+        <p:spPr/>
+        <p:txBody>
+          <a:bodyPr/>
+          <a:lstStyle/>
+          <a:p>
+            <a:endParaRPr lang="en-US"/>
+          </a:p>
+        </p:txBody>
+      </p:sp>
+      <p:pic>
+        <p:nvPicPr>
+          <p:cNvPr id="6" name="Content Placeholder 5"/>
+          <p:cNvPicPr>
+            <a:picLocks noGrp="1" noChangeAspect="1"/>
+          </p:cNvPicPr>
+          <p:nvPr>
+            <p:ph idx="1"/>
+          </p:nvPr>
+        </p:nvPicPr>
+        <p:blipFill>
+          <a:blip r:embed="rId2" cstate="print">
+            <a:extLst>
+              <a:ext uri="{28A0092B-C50C-407E-A947-70E740481C1C}">
+                <a14:useLocalDpi xmlns:a14="http://schemas.microsoft.com/office/drawing/2010/main" val="0"/>
+              </a:ext>
+            </a:extLst>
+          </a:blip>
+          <a:stretch>
+            <a:fillRect/>
+          </a:stretch>
+        </p:blipFill>
+        <p:spPr>
+          <a:xfrm>
+            <a:off x="3941964" y="16042"/>
+            <a:ext cx="7319032" cy="6841958"/>
+          </a:xfrm>
+        </p:spPr>
+      </p:pic>
+      <p:sp>
+        <p:nvSpPr>
+          <p:cNvPr id="5" name="Slide Number Placeholder 4"/>
+          <p:cNvSpPr>
+            <a:spLocks noGrp="1"/>
+          </p:cNvSpPr>
+          <p:nvPr>
+            <p:ph type="sldNum" sz="quarter" idx="12"/>
+          </p:nvPr>
+        </p:nvSpPr>
+        <p:spPr/>
+        <p:txBody>
+          <a:bodyPr>
+            <a:normAutofit lnSpcReduction="10000"/>
+          </a:bodyPr>
+          <a:lstStyle/>
+          <a:p>
+            <a:fld id="{743963A5-983F-4C9F-916D-9E761517F3D1}" type="slidenum">
+              <a:rPr lang="he-IL" smtClean="0"/>
+              <a:t>11</a:t>
+            </a:fld>
+            <a:endParaRPr lang="he-IL"/>
+          </a:p>
+        </p:txBody>
+      </p:sp>
+    </p:spTree>
+    <p:extLst>
+      <p:ext uri="{BB962C8B-B14F-4D97-AF65-F5344CB8AC3E}">
+        <p14:creationId xmlns:p14="http://schemas.microsoft.com/office/powerpoint/2010/main" val="654659573"/>
+      </p:ext>
+    </p:extLst>
+  </p:cSld>
+  <p:clrMapOvr>
+    <a:masterClrMapping/>
+  </p:clrMapOvr>
+  <p:timing>
+    <p:tnLst>
+      <p:par>
+        <p:cTn id="1" dur="indefinite" restart="never" nodeType="tmRoot"/>
+      </p:par>
+    </p:tnLst>
+  </p:timing>
+</p:sld>
+</file>
+
+<file path=ppt/slides/slide2.xml><?xml version="1.0" encoding="utf-8"?>
 <p:sld xmlns:a="http://schemas.openxmlformats.org/drawingml/2006/main" xmlns:r="http://schemas.openxmlformats.org/officeDocument/2006/relationships" xmlns:p="http://schemas.openxmlformats.org/presentationml/2006/main">
   <p:cSld>
     <p:bg>
@@ -5401,30 +5804,7 @@
           <a:p>
             <a:fld id="{743963A5-983F-4C9F-916D-9E761517F3D1}" type="slidenum">
               <a:rPr lang="he-IL" smtClean="0"/>
-              <a:t>3</a:t>
-            </a:fld>
-            <a:endParaRPr lang="he-IL"/>
-          </a:p>
-        </p:txBody>
-      </p:sp>
-      <p:sp>
-        <p:nvSpPr>
-          <p:cNvPr id="5" name="Date Placeholder 4"/>
-          <p:cNvSpPr>
-            <a:spLocks noGrp="1"/>
-          </p:cNvSpPr>
-          <p:nvPr>
-            <p:ph type="dt" sz="half" idx="10"/>
-          </p:nvPr>
-        </p:nvSpPr>
-        <p:spPr/>
-        <p:txBody>
-          <a:bodyPr/>
-          <a:lstStyle/>
-          <a:p>
-            <a:fld id="{52D53C34-8D96-42C3-B993-4E701816DE35}" type="datetime2">
-              <a:rPr lang="en-US" smtClean="0"/>
-              <a:t>Friday, June 8, 2018</a:t>
+              <a:t>2</a:t>
             </a:fld>
             <a:endParaRPr lang="he-IL"/>
           </a:p>
@@ -5795,7 +6175,7 @@
 </p:sld>
 </file>
 
-<file path=ppt/slides/slide4.xml><?xml version="1.0" encoding="utf-8"?>
+<file path=ppt/slides/slide3.xml><?xml version="1.0" encoding="utf-8"?>
 <p:sld xmlns:a="http://schemas.openxmlformats.org/drawingml/2006/main" xmlns:r="http://schemas.openxmlformats.org/officeDocument/2006/relationships" xmlns:p="http://schemas.openxmlformats.org/presentationml/2006/main">
   <p:cSld>
     <p:spTree>
@@ -5948,29 +6328,6 @@
       </p:sp>
       <p:sp>
         <p:nvSpPr>
-          <p:cNvPr id="4" name="Date Placeholder 3"/>
-          <p:cNvSpPr>
-            <a:spLocks noGrp="1"/>
-          </p:cNvSpPr>
-          <p:nvPr>
-            <p:ph type="dt" sz="half" idx="10"/>
-          </p:nvPr>
-        </p:nvSpPr>
-        <p:spPr/>
-        <p:txBody>
-          <a:bodyPr/>
-          <a:lstStyle/>
-          <a:p>
-            <a:fld id="{1C1FBBDB-9DA1-4AA6-A990-B1A599CBC769}" type="datetime2">
-              <a:rPr lang="en-US" smtClean="0"/>
-              <a:t>Friday, June 8, 2018</a:t>
-            </a:fld>
-            <a:endParaRPr lang="he-IL"/>
-          </a:p>
-        </p:txBody>
-      </p:sp>
-      <p:sp>
-        <p:nvSpPr>
           <p:cNvPr id="5" name="Slide Number Placeholder 4"/>
           <p:cNvSpPr>
             <a:spLocks noGrp="1"/>
@@ -5988,7 +6345,7 @@
           <a:p>
             <a:fld id="{743963A5-983F-4C9F-916D-9E761517F3D1}" type="slidenum">
               <a:rPr lang="he-IL" smtClean="0"/>
-              <a:t>4</a:t>
+              <a:t>3</a:t>
             </a:fld>
             <a:endParaRPr lang="he-IL"/>
           </a:p>
@@ -6231,7 +6588,7 @@
 </p:sld>
 </file>
 
-<file path=ppt/slides/slide5.xml><?xml version="1.0" encoding="utf-8"?>
+<file path=ppt/slides/slide4.xml><?xml version="1.0" encoding="utf-8"?>
 <p:sld xmlns:a="http://schemas.openxmlformats.org/drawingml/2006/main" xmlns:r="http://schemas.openxmlformats.org/officeDocument/2006/relationships" xmlns:p="http://schemas.openxmlformats.org/presentationml/2006/main">
   <p:cSld>
     <p:spTree>
@@ -6250,29 +6607,6 @@
       </p:grpSpPr>
       <p:sp>
         <p:nvSpPr>
-          <p:cNvPr id="4" name="Date Placeholder 3"/>
-          <p:cNvSpPr>
-            <a:spLocks noGrp="1"/>
-          </p:cNvSpPr>
-          <p:nvPr>
-            <p:ph type="dt" sz="half" idx="10"/>
-          </p:nvPr>
-        </p:nvSpPr>
-        <p:spPr/>
-        <p:txBody>
-          <a:bodyPr/>
-          <a:lstStyle/>
-          <a:p>
-            <a:fld id="{1C1FBBDB-9DA1-4AA6-A990-B1A599CBC769}" type="datetime2">
-              <a:rPr lang="en-US" smtClean="0"/>
-              <a:t>Friday, June 8, 2018</a:t>
-            </a:fld>
-            <a:endParaRPr lang="he-IL"/>
-          </a:p>
-        </p:txBody>
-      </p:sp>
-      <p:sp>
-        <p:nvSpPr>
           <p:cNvPr id="5" name="Slide Number Placeholder 4"/>
           <p:cNvSpPr>
             <a:spLocks noGrp="1"/>
@@ -6290,7 +6624,7 @@
           <a:p>
             <a:fld id="{743963A5-983F-4C9F-916D-9E761517F3D1}" type="slidenum">
               <a:rPr lang="he-IL" smtClean="0"/>
-              <a:t>5</a:t>
+              <a:t>4</a:t>
             </a:fld>
             <a:endParaRPr lang="he-IL"/>
           </a:p>
@@ -6472,7 +6806,7 @@
         </p:blipFill>
         <p:spPr>
           <a:xfrm>
-            <a:off x="6253587" y="443712"/>
+            <a:off x="6261348" y="1043170"/>
             <a:ext cx="5039253" cy="1329669"/>
           </a:xfrm>
           <a:prstGeom prst="rect">
@@ -6497,8 +6831,8 @@
         </p:nvSpPr>
         <p:spPr>
           <a:xfrm>
-            <a:off x="6416453" y="1921192"/>
-            <a:ext cx="4538059" cy="4103196"/>
+            <a:off x="6416453" y="228599"/>
+            <a:ext cx="4538059" cy="6137031"/>
           </a:xfrm>
         </p:spPr>
         <p:txBody>
@@ -6508,51 +6842,287 @@
           <a:lstStyle/>
           <a:p>
             <a:r>
-              <a:rPr lang="en-US" sz="2800" dirty="0" smtClean="0"/>
+              <a:rPr lang="en-US" sz="2400" dirty="0" smtClean="0"/>
               <a:t>Good results due to bad proportions in data</a:t>
             </a:r>
           </a:p>
           <a:p>
-            <a:endParaRPr lang="en-US" sz="2800" dirty="0" smtClean="0"/>
-          </a:p>
-          <a:p>
-            <a:r>
-              <a:rPr lang="en-US" sz="2800" dirty="0" smtClean="0"/>
-              <a:t>Add time bigrams (LSTM!)</a:t>
-            </a:r>
-            <a:endParaRPr lang="en-US" sz="2800" dirty="0" smtClean="0"/>
-          </a:p>
-          <a:p>
-            <a:endParaRPr lang="en-US" sz="2800" dirty="0" smtClean="0"/>
-          </a:p>
-          <a:p>
-            <a:r>
-              <a:rPr lang="en-US" sz="2800" dirty="0" smtClean="0"/>
-              <a:t>Use </a:t>
-            </a:r>
-            <a:r>
-              <a:rPr lang="en-US" sz="2800" dirty="0" smtClean="0"/>
-              <a:t>SMOTE!</a:t>
-            </a:r>
-          </a:p>
-          <a:p>
-            <a:endParaRPr lang="en-US" sz="2800" dirty="0" smtClean="0"/>
-          </a:p>
-          <a:p>
-            <a:endParaRPr lang="en-US" sz="2800" dirty="0" smtClean="0"/>
+            <a:endParaRPr lang="en-US" sz="2400" dirty="0"/>
+          </a:p>
+          <a:p>
+            <a:endParaRPr lang="en-US" sz="2400" dirty="0" smtClean="0"/>
+          </a:p>
+          <a:p>
+            <a:pPr>
+              <a:lnSpc>
+                <a:spcPct val="200000"/>
+              </a:lnSpc>
+            </a:pPr>
+            <a:r>
+              <a:rPr lang="en-US" sz="2400" dirty="0" smtClean="0"/>
+              <a:t>Add time series (LSTM!)</a:t>
+            </a:r>
+            <a:endParaRPr lang="en-US" sz="2400" dirty="0" smtClean="0"/>
+          </a:p>
+          <a:p>
+            <a:endParaRPr lang="en-US" sz="2400" dirty="0" smtClean="0"/>
+          </a:p>
+          <a:p>
+            <a:endParaRPr lang="en-US" sz="2400" dirty="0" smtClean="0"/>
+          </a:p>
+          <a:p>
+            <a:r>
+              <a:rPr lang="en-US" sz="2400" dirty="0" smtClean="0"/>
+              <a:t>Use SMOTE</a:t>
+            </a:r>
+          </a:p>
+          <a:p>
+            <a:endParaRPr lang="en-US" sz="2400" dirty="0" smtClean="0"/>
+          </a:p>
+          <a:p>
+            <a:endParaRPr lang="en-US" sz="2400" dirty="0" smtClean="0"/>
           </a:p>
         </p:txBody>
       </p:sp>
       <p:pic>
         <p:nvPicPr>
-          <p:cNvPr id="6" name="Picture 5"/>
+          <p:cNvPr id="7" name="Picture 6"/>
           <p:cNvPicPr>
             <a:picLocks noChangeAspect="1"/>
           </p:cNvPicPr>
           <p:nvPr/>
         </p:nvPicPr>
         <p:blipFill>
-          <a:blip r:embed="rId5">
+          <a:blip r:embed="rId5"/>
+          <a:stretch>
+            <a:fillRect/>
+          </a:stretch>
+        </p:blipFill>
+        <p:spPr>
+          <a:xfrm>
+            <a:off x="6249884" y="4762269"/>
+            <a:ext cx="5039687" cy="1409931"/>
+          </a:xfrm>
+          <a:prstGeom prst="rect">
+            <a:avLst/>
+          </a:prstGeom>
+          <a:ln>
+            <a:solidFill>
+              <a:schemeClr val="tx1"/>
+            </a:solidFill>
+          </a:ln>
+        </p:spPr>
+      </p:pic>
+      <p:sp>
+        <p:nvSpPr>
+          <p:cNvPr id="8" name="Oval 7"/>
+          <p:cNvSpPr/>
+          <p:nvPr/>
+        </p:nvSpPr>
+        <p:spPr>
+          <a:xfrm>
+            <a:off x="8813800" y="5419725"/>
+            <a:ext cx="571500" cy="266700"/>
+          </a:xfrm>
+          <a:prstGeom prst="ellipse">
+            <a:avLst/>
+          </a:prstGeom>
+          <a:noFill/>
+          <a:ln w="38100">
+            <a:solidFill>
+              <a:srgbClr val="00B0F0"/>
+            </a:solidFill>
+          </a:ln>
+        </p:spPr>
+        <p:style>
+          <a:lnRef idx="2">
+            <a:schemeClr val="accent6"/>
+          </a:lnRef>
+          <a:fillRef idx="1">
+            <a:schemeClr val="lt1"/>
+          </a:fillRef>
+          <a:effectRef idx="0">
+            <a:schemeClr val="accent6"/>
+          </a:effectRef>
+          <a:fontRef idx="minor">
+            <a:schemeClr val="dk1"/>
+          </a:fontRef>
+        </p:style>
+        <p:txBody>
+          <a:bodyPr rtlCol="0" anchor="ctr"/>
+          <a:lstStyle/>
+          <a:p>
+            <a:pPr algn="ctr"/>
+            <a:endParaRPr lang="en-US">
+              <a:ln>
+                <a:solidFill>
+                  <a:srgbClr val="A7E4FF"/>
+                </a:solidFill>
+              </a:ln>
+            </a:endParaRPr>
+          </a:p>
+        </p:txBody>
+      </p:sp>
+      <p:sp>
+        <p:nvSpPr>
+          <p:cNvPr id="15" name="Oval 14"/>
+          <p:cNvSpPr/>
+          <p:nvPr/>
+        </p:nvSpPr>
+        <p:spPr>
+          <a:xfrm>
+            <a:off x="7858978" y="5419725"/>
+            <a:ext cx="571500" cy="266700"/>
+          </a:xfrm>
+          <a:prstGeom prst="ellipse">
+            <a:avLst/>
+          </a:prstGeom>
+          <a:noFill/>
+          <a:ln w="38100">
+            <a:solidFill>
+              <a:srgbClr val="FF0000"/>
+            </a:solidFill>
+          </a:ln>
+        </p:spPr>
+        <p:style>
+          <a:lnRef idx="2">
+            <a:schemeClr val="accent6"/>
+          </a:lnRef>
+          <a:fillRef idx="1">
+            <a:schemeClr val="lt1"/>
+          </a:fillRef>
+          <a:effectRef idx="0">
+            <a:schemeClr val="accent6"/>
+          </a:effectRef>
+          <a:fontRef idx="minor">
+            <a:schemeClr val="dk1"/>
+          </a:fontRef>
+        </p:style>
+        <p:txBody>
+          <a:bodyPr rtlCol="0" anchor="ctr"/>
+          <a:lstStyle/>
+          <a:p>
+            <a:pPr algn="ctr"/>
+            <a:endParaRPr lang="en-US">
+              <a:ln>
+                <a:solidFill>
+                  <a:srgbClr val="A7E4FF"/>
+                </a:solidFill>
+              </a:ln>
+            </a:endParaRPr>
+          </a:p>
+        </p:txBody>
+      </p:sp>
+      <p:sp>
+        <p:nvSpPr>
+          <p:cNvPr id="16" name="Oval 15"/>
+          <p:cNvSpPr/>
+          <p:nvPr/>
+        </p:nvSpPr>
+        <p:spPr>
+          <a:xfrm>
+            <a:off x="7804989" y="1666276"/>
+            <a:ext cx="571500" cy="200624"/>
+          </a:xfrm>
+          <a:prstGeom prst="ellipse">
+            <a:avLst/>
+          </a:prstGeom>
+          <a:noFill/>
+          <a:ln w="38100">
+            <a:solidFill>
+              <a:srgbClr val="FF0000"/>
+            </a:solidFill>
+          </a:ln>
+        </p:spPr>
+        <p:style>
+          <a:lnRef idx="2">
+            <a:schemeClr val="accent6"/>
+          </a:lnRef>
+          <a:fillRef idx="1">
+            <a:schemeClr val="lt1"/>
+          </a:fillRef>
+          <a:effectRef idx="0">
+            <a:schemeClr val="accent6"/>
+          </a:effectRef>
+          <a:fontRef idx="minor">
+            <a:schemeClr val="dk1"/>
+          </a:fontRef>
+        </p:style>
+        <p:txBody>
+          <a:bodyPr rtlCol="0" anchor="ctr"/>
+          <a:lstStyle/>
+          <a:p>
+            <a:pPr algn="ctr"/>
+            <a:endParaRPr lang="en-US">
+              <a:ln>
+                <a:solidFill>
+                  <a:srgbClr val="A7E4FF"/>
+                </a:solidFill>
+              </a:ln>
+            </a:endParaRPr>
+          </a:p>
+        </p:txBody>
+      </p:sp>
+      <p:sp>
+        <p:nvSpPr>
+          <p:cNvPr id="20" name="Oval 19"/>
+          <p:cNvSpPr/>
+          <p:nvPr/>
+        </p:nvSpPr>
+        <p:spPr>
+          <a:xfrm>
+            <a:off x="8643367" y="1666276"/>
+            <a:ext cx="571500" cy="200624"/>
+          </a:xfrm>
+          <a:prstGeom prst="ellipse">
+            <a:avLst/>
+          </a:prstGeom>
+          <a:noFill/>
+          <a:ln w="38100">
+            <a:solidFill>
+              <a:srgbClr val="FF0000"/>
+            </a:solidFill>
+          </a:ln>
+        </p:spPr>
+        <p:style>
+          <a:lnRef idx="2">
+            <a:schemeClr val="accent6"/>
+          </a:lnRef>
+          <a:fillRef idx="1">
+            <a:schemeClr val="lt1"/>
+          </a:fillRef>
+          <a:effectRef idx="0">
+            <a:schemeClr val="accent6"/>
+          </a:effectRef>
+          <a:fontRef idx="minor">
+            <a:schemeClr val="dk1"/>
+          </a:fontRef>
+        </p:style>
+        <p:txBody>
+          <a:bodyPr rtlCol="0" anchor="ctr"/>
+          <a:lstStyle/>
+          <a:p>
+            <a:pPr algn="ctr"/>
+            <a:endParaRPr lang="en-US">
+              <a:ln>
+                <a:solidFill>
+                  <a:srgbClr val="A7E4FF"/>
+                </a:solidFill>
+              </a:ln>
+            </a:endParaRPr>
+          </a:p>
+        </p:txBody>
+      </p:sp>
+      <p:pic>
+        <p:nvPicPr>
+          <p:cNvPr id="23" name="Picture 22"/>
+          <p:cNvPicPr>
+            <a:picLocks noChangeAspect="1"/>
+          </p:cNvPicPr>
+          <p:nvPr/>
+        </p:nvPicPr>
+        <p:blipFill>
+          <a:blip r:embed="rId6">
             <a:extLst>
               <a:ext uri="{28A0092B-C50C-407E-A947-70E740481C1C}">
                 <a14:useLocalDpi xmlns:a14="http://schemas.microsoft.com/office/drawing/2010/main" val="0"/>
@@ -6565,8 +7135,8 @@
         </p:blipFill>
         <p:spPr>
           <a:xfrm>
-            <a:off x="6223744" y="418826"/>
-            <a:ext cx="5037252" cy="1354555"/>
+            <a:off x="6249883" y="2949256"/>
+            <a:ext cx="5039231" cy="1322924"/>
           </a:xfrm>
           <a:prstGeom prst="rect">
             <a:avLst/>
@@ -6578,35 +7148,106 @@
           </a:ln>
         </p:spPr>
       </p:pic>
-      <p:pic>
-        <p:nvPicPr>
-          <p:cNvPr id="12" name="Picture 11"/>
-          <p:cNvPicPr>
-            <a:picLocks noChangeAspect="1"/>
-          </p:cNvPicPr>
+      <p:sp>
+        <p:nvSpPr>
+          <p:cNvPr id="21" name="Oval 20"/>
+          <p:cNvSpPr/>
           <p:nvPr/>
-        </p:nvPicPr>
-        <p:blipFill>
-          <a:blip r:embed="rId6"/>
-          <a:stretch>
-            <a:fillRect/>
-          </a:stretch>
-        </p:blipFill>
+        </p:nvSpPr>
         <p:spPr>
           <a:xfrm>
-            <a:off x="6243763" y="401241"/>
-            <a:ext cx="5037252" cy="1383961"/>
+            <a:off x="8576692" y="3557869"/>
+            <a:ext cx="571500" cy="220381"/>
           </a:xfrm>
-          <a:prstGeom prst="rect">
+          <a:prstGeom prst="ellipse">
             <a:avLst/>
           </a:prstGeom>
-          <a:ln>
+          <a:noFill/>
+          <a:ln w="38100">
             <a:solidFill>
-              <a:schemeClr val="tx1"/>
+              <a:srgbClr val="00B0F0"/>
             </a:solidFill>
           </a:ln>
         </p:spPr>
-      </p:pic>
+        <p:style>
+          <a:lnRef idx="2">
+            <a:schemeClr val="accent6"/>
+          </a:lnRef>
+          <a:fillRef idx="1">
+            <a:schemeClr val="lt1"/>
+          </a:fillRef>
+          <a:effectRef idx="0">
+            <a:schemeClr val="accent6"/>
+          </a:effectRef>
+          <a:fontRef idx="minor">
+            <a:schemeClr val="dk1"/>
+          </a:fontRef>
+        </p:style>
+        <p:txBody>
+          <a:bodyPr rtlCol="0" anchor="ctr"/>
+          <a:lstStyle/>
+          <a:p>
+            <a:pPr algn="ctr"/>
+            <a:endParaRPr lang="en-US">
+              <a:ln>
+                <a:solidFill>
+                  <a:srgbClr val="A7E4FF"/>
+                </a:solidFill>
+              </a:ln>
+            </a:endParaRPr>
+          </a:p>
+        </p:txBody>
+      </p:sp>
+      <p:sp>
+        <p:nvSpPr>
+          <p:cNvPr id="22" name="Oval 21"/>
+          <p:cNvSpPr/>
+          <p:nvPr/>
+        </p:nvSpPr>
+        <p:spPr>
+          <a:xfrm>
+            <a:off x="7767906" y="3567393"/>
+            <a:ext cx="571500" cy="220381"/>
+          </a:xfrm>
+          <a:prstGeom prst="ellipse">
+            <a:avLst/>
+          </a:prstGeom>
+          <a:noFill/>
+          <a:ln w="38100">
+            <a:solidFill>
+              <a:srgbClr val="00B0F0"/>
+            </a:solidFill>
+          </a:ln>
+        </p:spPr>
+        <p:style>
+          <a:lnRef idx="2">
+            <a:schemeClr val="accent6"/>
+          </a:lnRef>
+          <a:fillRef idx="1">
+            <a:schemeClr val="lt1"/>
+          </a:fillRef>
+          <a:effectRef idx="0">
+            <a:schemeClr val="accent6"/>
+          </a:effectRef>
+          <a:fontRef idx="minor">
+            <a:schemeClr val="dk1"/>
+          </a:fontRef>
+        </p:style>
+        <p:txBody>
+          <a:bodyPr rtlCol="0" anchor="ctr"/>
+          <a:lstStyle/>
+          <a:p>
+            <a:pPr algn="ctr"/>
+            <a:endParaRPr lang="en-US">
+              <a:ln>
+                <a:solidFill>
+                  <a:srgbClr val="A7E4FF"/>
+                </a:solidFill>
+              </a:ln>
+            </a:endParaRPr>
+          </a:p>
+        </p:txBody>
+      </p:sp>
     </p:spTree>
     <p:extLst>
       <p:ext uri="{BB962C8B-B14F-4D97-AF65-F5344CB8AC3E}">
@@ -6728,7 +7369,7 @@
                             </p:stCondLst>
                             <p:childTnLst>
                               <p:par>
-                                <p:cTn id="13" presetID="1" presetClass="entr" presetSubtype="0" fill="hold" nodeType="clickEffect">
+                                <p:cTn id="13" presetID="1" presetClass="entr" presetSubtype="0" fill="hold" grpId="0" nodeType="clickEffect">
                                   <p:stCondLst>
                                     <p:cond delay="0"/>
                                   </p:stCondLst>
@@ -6741,7 +7382,11 @@
                                           </p:stCondLst>
                                         </p:cTn>
                                         <p:tgtEl>
-                                          <p:spTgt spid="3"/>
+                                          <p:spTgt spid="10">
+                                            <p:txEl>
+                                              <p:pRg st="0" end="0"/>
+                                            </p:txEl>
+                                          </p:spTgt>
                                         </p:tgtEl>
                                         <p:attrNameLst>
                                           <p:attrName>style.visibility</p:attrName>
@@ -6773,7 +7418,7 @@
                             </p:stCondLst>
                             <p:childTnLst>
                               <p:par>
-                                <p:cTn id="17" presetID="1" presetClass="entr" presetSubtype="0" fill="hold" grpId="0" nodeType="clickEffect">
+                                <p:cTn id="17" presetID="1" presetClass="entr" presetSubtype="0" fill="hold" nodeType="clickEffect">
                                   <p:stCondLst>
                                     <p:cond delay="0"/>
                                   </p:stCondLst>
@@ -6786,11 +7431,7 @@
                                           </p:stCondLst>
                                         </p:cTn>
                                         <p:tgtEl>
-                                          <p:spTgt spid="10">
-                                            <p:txEl>
-                                              <p:pRg st="0" end="0"/>
-                                            </p:txEl>
-                                          </p:spTgt>
+                                          <p:spTgt spid="3"/>
                                         </p:tgtEl>
                                         <p:attrNameLst>
                                           <p:attrName>style.visibility</p:attrName>
@@ -6803,26 +7444,35 @@
                                   </p:childTnLst>
                                 </p:cTn>
                               </p:par>
-                            </p:childTnLst>
-                          </p:cTn>
-                        </p:par>
-                      </p:childTnLst>
-                    </p:cTn>
-                  </p:par>
-                  <p:par>
-                    <p:cTn id="19" fill="hold">
-                      <p:stCondLst>
-                        <p:cond delay="indefinite"/>
-                      </p:stCondLst>
-                      <p:childTnLst>
-                        <p:par>
-                          <p:cTn id="20" fill="hold">
-                            <p:stCondLst>
-                              <p:cond delay="0"/>
-                            </p:stCondLst>
-                            <p:childTnLst>
                               <p:par>
-                                <p:cTn id="21" presetID="1" presetClass="entr" presetSubtype="0" fill="hold" grpId="0" nodeType="clickEffect">
+                                <p:cTn id="19" presetID="1" presetClass="entr" presetSubtype="0" fill="hold" grpId="0" nodeType="withEffect">
+                                  <p:stCondLst>
+                                    <p:cond delay="0"/>
+                                  </p:stCondLst>
+                                  <p:childTnLst>
+                                    <p:set>
+                                      <p:cBhvr>
+                                        <p:cTn id="20" dur="1" fill="hold">
+                                          <p:stCondLst>
+                                            <p:cond delay="0"/>
+                                          </p:stCondLst>
+                                        </p:cTn>
+                                        <p:tgtEl>
+                                          <p:spTgt spid="16"/>
+                                        </p:tgtEl>
+                                        <p:attrNameLst>
+                                          <p:attrName>style.visibility</p:attrName>
+                                        </p:attrNameLst>
+                                      </p:cBhvr>
+                                      <p:to>
+                                        <p:strVal val="visible"/>
+                                      </p:to>
+                                    </p:set>
+                                  </p:childTnLst>
+                                </p:cTn>
+                              </p:par>
+                              <p:par>
+                                <p:cTn id="21" presetID="1" presetClass="entr" presetSubtype="0" fill="hold" grpId="0" nodeType="withEffect">
                                   <p:stCondLst>
                                     <p:cond delay="0"/>
                                   </p:stCondLst>
@@ -6835,11 +7485,7 @@
                                           </p:stCondLst>
                                         </p:cTn>
                                         <p:tgtEl>
-                                          <p:spTgt spid="10">
-                                            <p:txEl>
-                                              <p:pRg st="2" end="2"/>
-                                            </p:txEl>
-                                          </p:spTgt>
+                                          <p:spTgt spid="20"/>
                                         </p:tgtEl>
                                         <p:attrNameLst>
                                           <p:attrName>style.visibility</p:attrName>
@@ -6871,7 +7517,7 @@
                             </p:stCondLst>
                             <p:childTnLst>
                               <p:par>
-                                <p:cTn id="25" presetID="1" presetClass="entr" presetSubtype="0" fill="hold" nodeType="clickEffect">
+                                <p:cTn id="25" presetID="1" presetClass="entr" presetSubtype="0" fill="hold" grpId="0" nodeType="clickEffect">
                                   <p:stCondLst>
                                     <p:cond delay="0"/>
                                   </p:stCondLst>
@@ -6884,7 +7530,11 @@
                                           </p:stCondLst>
                                         </p:cTn>
                                         <p:tgtEl>
-                                          <p:spTgt spid="6"/>
+                                          <p:spTgt spid="10">
+                                            <p:txEl>
+                                              <p:pRg st="3" end="3"/>
+                                            </p:txEl>
+                                          </p:spTgt>
                                         </p:tgtEl>
                                         <p:attrNameLst>
                                           <p:attrName>style.visibility</p:attrName>
@@ -6916,7 +7566,7 @@
                             </p:stCondLst>
                             <p:childTnLst>
                               <p:par>
-                                <p:cTn id="29" presetID="1" presetClass="entr" presetSubtype="0" fill="hold" grpId="0" nodeType="clickEffect">
+                                <p:cTn id="29" presetID="1" presetClass="entr" presetSubtype="0" fill="hold" nodeType="clickEffect">
                                   <p:stCondLst>
                                     <p:cond delay="0"/>
                                   </p:stCondLst>
@@ -6929,11 +7579,7 @@
                                           </p:stCondLst>
                                         </p:cTn>
                                         <p:tgtEl>
-                                          <p:spTgt spid="10">
-                                            <p:txEl>
-                                              <p:pRg st="4" end="4"/>
-                                            </p:txEl>
-                                          </p:spTgt>
+                                          <p:spTgt spid="23"/>
                                         </p:tgtEl>
                                         <p:attrNameLst>
                                           <p:attrName>style.visibility</p:attrName>
@@ -6946,26 +7592,35 @@
                                   </p:childTnLst>
                                 </p:cTn>
                               </p:par>
-                            </p:childTnLst>
-                          </p:cTn>
-                        </p:par>
-                      </p:childTnLst>
-                    </p:cTn>
-                  </p:par>
-                  <p:par>
-                    <p:cTn id="31" fill="hold">
-                      <p:stCondLst>
-                        <p:cond delay="indefinite"/>
-                      </p:stCondLst>
-                      <p:childTnLst>
-                        <p:par>
-                          <p:cTn id="32" fill="hold">
-                            <p:stCondLst>
-                              <p:cond delay="0"/>
-                            </p:stCondLst>
-                            <p:childTnLst>
                               <p:par>
-                                <p:cTn id="33" presetID="1" presetClass="entr" presetSubtype="0" fill="hold" nodeType="clickEffect">
+                                <p:cTn id="31" presetID="1" presetClass="entr" presetSubtype="0" fill="hold" grpId="0" nodeType="withEffect">
+                                  <p:stCondLst>
+                                    <p:cond delay="0"/>
+                                  </p:stCondLst>
+                                  <p:childTnLst>
+                                    <p:set>
+                                      <p:cBhvr>
+                                        <p:cTn id="32" dur="1" fill="hold">
+                                          <p:stCondLst>
+                                            <p:cond delay="0"/>
+                                          </p:stCondLst>
+                                        </p:cTn>
+                                        <p:tgtEl>
+                                          <p:spTgt spid="21"/>
+                                        </p:tgtEl>
+                                        <p:attrNameLst>
+                                          <p:attrName>style.visibility</p:attrName>
+                                        </p:attrNameLst>
+                                      </p:cBhvr>
+                                      <p:to>
+                                        <p:strVal val="visible"/>
+                                      </p:to>
+                                    </p:set>
+                                  </p:childTnLst>
+                                </p:cTn>
+                              </p:par>
+                              <p:par>
+                                <p:cTn id="33" presetID="1" presetClass="entr" presetSubtype="0" fill="hold" grpId="0" nodeType="withEffect">
                                   <p:stCondLst>
                                     <p:cond delay="0"/>
                                   </p:stCondLst>
@@ -6978,7 +7633,7 @@
                                           </p:stCondLst>
                                         </p:cTn>
                                         <p:tgtEl>
-                                          <p:spTgt spid="12"/>
+                                          <p:spTgt spid="22"/>
                                         </p:tgtEl>
                                         <p:attrNameLst>
                                           <p:attrName>style.visibility</p:attrName>
@@ -7010,7 +7665,7 @@
                             </p:stCondLst>
                             <p:childTnLst>
                               <p:par>
-                                <p:cTn id="37" presetID="1" presetClass="entr" presetSubtype="0" fill="hold" grpId="1" nodeType="clickEffect">
+                                <p:cTn id="37" presetID="1" presetClass="entr" presetSubtype="0" fill="hold" grpId="0" nodeType="clickEffect">
                                   <p:stCondLst>
                                     <p:cond delay="0"/>
                                   </p:stCondLst>
@@ -7023,7 +7678,11 @@
                                           </p:stCondLst>
                                         </p:cTn>
                                         <p:tgtEl>
-                                          <p:spTgt spid="19"/>
+                                          <p:spTgt spid="10">
+                                            <p:txEl>
+                                              <p:pRg st="6" end="6"/>
+                                            </p:txEl>
+                                          </p:spTgt>
                                         </p:tgtEl>
                                         <p:attrNameLst>
                                           <p:attrName>style.visibility</p:attrName>
@@ -7055,14 +7714,158 @@
                             </p:stCondLst>
                             <p:childTnLst>
                               <p:par>
-                                <p:cTn id="41" presetID="14" presetClass="exit" presetSubtype="10" fill="hold" grpId="0" nodeType="clickEffect">
+                                <p:cTn id="41" presetID="1" presetClass="entr" presetSubtype="0" fill="hold" nodeType="clickEffect">
+                                  <p:stCondLst>
+                                    <p:cond delay="0"/>
+                                  </p:stCondLst>
+                                  <p:childTnLst>
+                                    <p:set>
+                                      <p:cBhvr>
+                                        <p:cTn id="42" dur="1" fill="hold">
+                                          <p:stCondLst>
+                                            <p:cond delay="0"/>
+                                          </p:stCondLst>
+                                        </p:cTn>
+                                        <p:tgtEl>
+                                          <p:spTgt spid="7"/>
+                                        </p:tgtEl>
+                                        <p:attrNameLst>
+                                          <p:attrName>style.visibility</p:attrName>
+                                        </p:attrNameLst>
+                                      </p:cBhvr>
+                                      <p:to>
+                                        <p:strVal val="visible"/>
+                                      </p:to>
+                                    </p:set>
+                                  </p:childTnLst>
+                                </p:cTn>
+                              </p:par>
+                              <p:par>
+                                <p:cTn id="43" presetID="1" presetClass="entr" presetSubtype="0" fill="hold" grpId="0" nodeType="withEffect">
+                                  <p:stCondLst>
+                                    <p:cond delay="0"/>
+                                  </p:stCondLst>
+                                  <p:childTnLst>
+                                    <p:set>
+                                      <p:cBhvr>
+                                        <p:cTn id="44" dur="1" fill="hold">
+                                          <p:stCondLst>
+                                            <p:cond delay="0"/>
+                                          </p:stCondLst>
+                                        </p:cTn>
+                                        <p:tgtEl>
+                                          <p:spTgt spid="8"/>
+                                        </p:tgtEl>
+                                        <p:attrNameLst>
+                                          <p:attrName>style.visibility</p:attrName>
+                                        </p:attrNameLst>
+                                      </p:cBhvr>
+                                      <p:to>
+                                        <p:strVal val="visible"/>
+                                      </p:to>
+                                    </p:set>
+                                  </p:childTnLst>
+                                </p:cTn>
+                              </p:par>
+                              <p:par>
+                                <p:cTn id="45" presetID="1" presetClass="entr" presetSubtype="0" fill="hold" grpId="0" nodeType="withEffect">
+                                  <p:stCondLst>
+                                    <p:cond delay="0"/>
+                                  </p:stCondLst>
+                                  <p:childTnLst>
+                                    <p:set>
+                                      <p:cBhvr>
+                                        <p:cTn id="46" dur="1" fill="hold">
+                                          <p:stCondLst>
+                                            <p:cond delay="0"/>
+                                          </p:stCondLst>
+                                        </p:cTn>
+                                        <p:tgtEl>
+                                          <p:spTgt spid="15"/>
+                                        </p:tgtEl>
+                                        <p:attrNameLst>
+                                          <p:attrName>style.visibility</p:attrName>
+                                        </p:attrNameLst>
+                                      </p:cBhvr>
+                                      <p:to>
+                                        <p:strVal val="visible"/>
+                                      </p:to>
+                                    </p:set>
+                                  </p:childTnLst>
+                                </p:cTn>
+                              </p:par>
+                            </p:childTnLst>
+                          </p:cTn>
+                        </p:par>
+                      </p:childTnLst>
+                    </p:cTn>
+                  </p:par>
+                  <p:par>
+                    <p:cTn id="47" fill="hold">
+                      <p:stCondLst>
+                        <p:cond delay="indefinite"/>
+                      </p:stCondLst>
+                      <p:childTnLst>
+                        <p:par>
+                          <p:cTn id="48" fill="hold">
+                            <p:stCondLst>
+                              <p:cond delay="0"/>
+                            </p:stCondLst>
+                            <p:childTnLst>
+                              <p:par>
+                                <p:cTn id="49" presetID="1" presetClass="entr" presetSubtype="0" fill="hold" grpId="1" nodeType="clickEffect">
+                                  <p:stCondLst>
+                                    <p:cond delay="0"/>
+                                  </p:stCondLst>
+                                  <p:childTnLst>
+                                    <p:set>
+                                      <p:cBhvr>
+                                        <p:cTn id="50" dur="1" fill="hold">
+                                          <p:stCondLst>
+                                            <p:cond delay="0"/>
+                                          </p:stCondLst>
+                                        </p:cTn>
+                                        <p:tgtEl>
+                                          <p:spTgt spid="19"/>
+                                        </p:tgtEl>
+                                        <p:attrNameLst>
+                                          <p:attrName>style.visibility</p:attrName>
+                                        </p:attrNameLst>
+                                      </p:cBhvr>
+                                      <p:to>
+                                        <p:strVal val="visible"/>
+                                      </p:to>
+                                    </p:set>
+                                  </p:childTnLst>
+                                </p:cTn>
+                              </p:par>
+                            </p:childTnLst>
+                          </p:cTn>
+                        </p:par>
+                      </p:childTnLst>
+                    </p:cTn>
+                  </p:par>
+                  <p:par>
+                    <p:cTn id="51" fill="hold">
+                      <p:stCondLst>
+                        <p:cond delay="indefinite"/>
+                      </p:stCondLst>
+                      <p:childTnLst>
+                        <p:par>
+                          <p:cTn id="52" fill="hold">
+                            <p:stCondLst>
+                              <p:cond delay="0"/>
+                            </p:stCondLst>
+                            <p:childTnLst>
+                              <p:par>
+                                <p:cTn id="53" presetID="14" presetClass="exit" presetSubtype="10" fill="hold" grpId="0" nodeType="clickEffect">
                                   <p:stCondLst>
                                     <p:cond delay="0"/>
                                   </p:stCondLst>
                                   <p:childTnLst>
                                     <p:animEffect transition="out" filter="randombar(horizontal)">
                                       <p:cBhvr>
-                                        <p:cTn id="42" dur="500"/>
+                                        <p:cTn id="54" dur="500"/>
                                         <p:tgtEl>
                                           <p:spTgt spid="19"/>
                                         </p:tgtEl>
@@ -7070,7 +7873,7 @@
                                     </p:animEffect>
                                     <p:set>
                                       <p:cBhvr>
-                                        <p:cTn id="43" dur="1" fill="hold">
+                                        <p:cTn id="55" dur="1" fill="hold">
                                           <p:stCondLst>
                                             <p:cond delay="499"/>
                                           </p:stCondLst>
@@ -7122,12 +7925,18 @@
       <p:bldP spid="19" grpId="0"/>
       <p:bldP spid="19" grpId="1"/>
       <p:bldP spid="10" grpId="0" uiExpand="1" build="p"/>
+      <p:bldP spid="8" grpId="0" animBg="1"/>
+      <p:bldP spid="15" grpId="0" animBg="1"/>
+      <p:bldP spid="16" grpId="0" animBg="1"/>
+      <p:bldP spid="20" grpId="0" animBg="1"/>
+      <p:bldP spid="21" grpId="0" animBg="1"/>
+      <p:bldP spid="22" grpId="0" animBg="1"/>
     </p:bldLst>
   </p:timing>
 </p:sld>
 </file>
 
-<file path=ppt/slides/slide6.xml><?xml version="1.0" encoding="utf-8"?>
+<file path=ppt/slides/slide5.xml><?xml version="1.0" encoding="utf-8"?>
 <p:sld xmlns:a="http://schemas.openxmlformats.org/drawingml/2006/main" xmlns:r="http://schemas.openxmlformats.org/officeDocument/2006/relationships" xmlns:p="http://schemas.openxmlformats.org/presentationml/2006/main">
   <p:cSld>
     <p:spTree>
@@ -7287,30 +8096,7 @@
           <a:p>
             <a:fld id="{743963A5-983F-4C9F-916D-9E761517F3D1}" type="slidenum">
               <a:rPr lang="he-IL" smtClean="0"/>
-              <a:t>6</a:t>
-            </a:fld>
-            <a:endParaRPr lang="he-IL"/>
-          </a:p>
-        </p:txBody>
-      </p:sp>
-      <p:sp>
-        <p:nvSpPr>
-          <p:cNvPr id="5" name="Date Placeholder 4"/>
-          <p:cNvSpPr>
-            <a:spLocks noGrp="1"/>
-          </p:cNvSpPr>
-          <p:nvPr>
-            <p:ph type="dt" sz="half" idx="10"/>
-          </p:nvPr>
-        </p:nvSpPr>
-        <p:spPr/>
-        <p:txBody>
-          <a:bodyPr/>
-          <a:lstStyle/>
-          <a:p>
-            <a:fld id="{52D53C34-8D96-42C3-B993-4E701816DE35}" type="datetime2">
-              <a:rPr lang="en-US" smtClean="0"/>
-              <a:t>Friday, June 8, 2018</a:t>
+              <a:t>5</a:t>
             </a:fld>
             <a:endParaRPr lang="he-IL"/>
           </a:p>
@@ -7656,6 +8442,791 @@
 </p:sld>
 </file>
 
+<file path=ppt/slides/slide6.xml><?xml version="1.0" encoding="utf-8"?>
+<p:sld xmlns:a="http://schemas.openxmlformats.org/drawingml/2006/main" xmlns:r="http://schemas.openxmlformats.org/officeDocument/2006/relationships" xmlns:p="http://schemas.openxmlformats.org/presentationml/2006/main">
+  <p:cSld>
+    <p:spTree>
+      <p:nvGrpSpPr>
+        <p:cNvPr id="1" name=""/>
+        <p:cNvGrpSpPr/>
+        <p:nvPr/>
+      </p:nvGrpSpPr>
+      <p:grpSpPr>
+        <a:xfrm>
+          <a:off x="0" y="0"/>
+          <a:ext cx="0" cy="0"/>
+          <a:chOff x="0" y="0"/>
+          <a:chExt cx="0" cy="0"/>
+        </a:xfrm>
+      </p:grpSpPr>
+      <p:sp>
+        <p:nvSpPr>
+          <p:cNvPr id="3" name="Content Placeholder 2"/>
+          <p:cNvSpPr>
+            <a:spLocks noGrp="1"/>
+          </p:cNvSpPr>
+          <p:nvPr>
+            <p:ph idx="1"/>
+          </p:nvPr>
+        </p:nvSpPr>
+        <p:spPr>
+          <a:xfrm>
+            <a:off x="130629" y="1556974"/>
+            <a:ext cx="8595360" cy="4351337"/>
+          </a:xfrm>
+        </p:spPr>
+        <p:txBody>
+          <a:bodyPr>
+            <a:normAutofit/>
+          </a:bodyPr>
+          <a:lstStyle/>
+          <a:p>
+            <a:pPr marL="342900" indent="-342900">
+              <a:buFont typeface="+mj-lt"/>
+              <a:buAutoNum type="arabicPeriod"/>
+            </a:pPr>
+            <a:r>
+              <a:rPr lang="en-US" sz="2400" dirty="0" smtClean="0"/>
+              <a:t>LSTM to model a “computer language”</a:t>
+            </a:r>
+          </a:p>
+          <a:p>
+            <a:pPr marL="342900" indent="-342900">
+              <a:buFont typeface="+mj-lt"/>
+              <a:buAutoNum type="arabicPeriod"/>
+            </a:pPr>
+            <a:r>
+              <a:rPr lang="en-US" sz="2400" dirty="0" smtClean="0"/>
+              <a:t>Trained only on benign</a:t>
+            </a:r>
+          </a:p>
+          <a:p>
+            <a:pPr marL="342900" indent="-342900">
+              <a:buFont typeface="+mj-lt"/>
+              <a:buAutoNum type="arabicPeriod"/>
+            </a:pPr>
+            <a:r>
+              <a:rPr lang="en-US" sz="2400" dirty="0" smtClean="0"/>
+              <a:t>Variable </a:t>
+            </a:r>
+            <a:r>
+              <a:rPr lang="en-US" sz="2400" dirty="0"/>
+              <a:t>length </a:t>
+            </a:r>
+            <a:r>
+              <a:rPr lang="en-US" sz="2400" dirty="0" smtClean="0"/>
+              <a:t>sequences</a:t>
+            </a:r>
+          </a:p>
+          <a:p>
+            <a:pPr marL="342900" indent="-342900">
+              <a:buFont typeface="+mj-lt"/>
+              <a:buAutoNum type="arabicPeriod"/>
+            </a:pPr>
+            <a:r>
+              <a:rPr lang="en-US" sz="2400" dirty="0" smtClean="0"/>
+              <a:t>(2+3 =&gt; result comparison is problematic)</a:t>
+            </a:r>
+            <a:endParaRPr lang="he-IL" sz="2400" dirty="0" smtClean="0"/>
+          </a:p>
+          <a:p>
+            <a:pPr marL="342900" indent="-342900">
+              <a:buFont typeface="+mj-lt"/>
+              <a:buAutoNum type="arabicPeriod"/>
+            </a:pPr>
+            <a:r>
+              <a:rPr lang="en-US" sz="2400" dirty="0" smtClean="0"/>
+              <a:t>FAIL!</a:t>
+            </a:r>
+          </a:p>
+          <a:p>
+            <a:pPr marL="342900" indent="-342900">
+              <a:buFont typeface="+mj-lt"/>
+              <a:buAutoNum type="arabicPeriod"/>
+            </a:pPr>
+            <a:endParaRPr lang="en-US" sz="2400" dirty="0" smtClean="0"/>
+          </a:p>
+          <a:p>
+            <a:pPr marL="342900" indent="-342900">
+              <a:buFont typeface="+mj-lt"/>
+              <a:buAutoNum type="arabicPeriod"/>
+            </a:pPr>
+            <a:endParaRPr lang="en-US" sz="2400" dirty="0" smtClean="0"/>
+          </a:p>
+          <a:p>
+            <a:pPr marL="342900" indent="-342900">
+              <a:buFont typeface="+mj-lt"/>
+              <a:buAutoNum type="arabicPeriod"/>
+            </a:pPr>
+            <a:endParaRPr lang="en-US" sz="2400" dirty="0"/>
+          </a:p>
+        </p:txBody>
+      </p:sp>
+      <p:sp>
+        <p:nvSpPr>
+          <p:cNvPr id="5" name="Slide Number Placeholder 4"/>
+          <p:cNvSpPr>
+            <a:spLocks noGrp="1"/>
+          </p:cNvSpPr>
+          <p:nvPr>
+            <p:ph type="sldNum" sz="quarter" idx="12"/>
+          </p:nvPr>
+        </p:nvSpPr>
+        <p:spPr/>
+        <p:txBody>
+          <a:bodyPr>
+            <a:normAutofit lnSpcReduction="10000"/>
+          </a:bodyPr>
+          <a:lstStyle/>
+          <a:p>
+            <a:fld id="{743963A5-983F-4C9F-916D-9E761517F3D1}" type="slidenum">
+              <a:rPr lang="he-IL" smtClean="0"/>
+              <a:t>6</a:t>
+            </a:fld>
+            <a:endParaRPr lang="he-IL"/>
+          </a:p>
+        </p:txBody>
+      </p:sp>
+      <p:pic>
+        <p:nvPicPr>
+          <p:cNvPr id="7" name="Picture 6"/>
+          <p:cNvPicPr>
+            <a:picLocks noChangeAspect="1"/>
+          </p:cNvPicPr>
+          <p:nvPr/>
+        </p:nvPicPr>
+        <p:blipFill>
+          <a:blip r:embed="rId3"/>
+          <a:stretch>
+            <a:fillRect/>
+          </a:stretch>
+        </p:blipFill>
+        <p:spPr>
+          <a:xfrm>
+            <a:off x="7276400" y="421120"/>
+            <a:ext cx="3866481" cy="2890403"/>
+          </a:xfrm>
+          <a:prstGeom prst="rect">
+            <a:avLst/>
+          </a:prstGeom>
+          <a:noFill/>
+          <a:ln>
+            <a:solidFill>
+              <a:srgbClr val="FF0000"/>
+            </a:solidFill>
+          </a:ln>
+        </p:spPr>
+      </p:pic>
+      <p:pic>
+        <p:nvPicPr>
+          <p:cNvPr id="8" name="Picture 7"/>
+          <p:cNvPicPr>
+            <a:picLocks noChangeAspect="1"/>
+          </p:cNvPicPr>
+          <p:nvPr/>
+        </p:nvPicPr>
+        <p:blipFill>
+          <a:blip r:embed="rId4"/>
+          <a:stretch>
+            <a:fillRect/>
+          </a:stretch>
+        </p:blipFill>
+        <p:spPr>
+          <a:xfrm>
+            <a:off x="7276401" y="3350433"/>
+            <a:ext cx="3866480" cy="2860677"/>
+          </a:xfrm>
+          <a:prstGeom prst="rect">
+            <a:avLst/>
+          </a:prstGeom>
+          <a:ln>
+            <a:solidFill>
+              <a:srgbClr val="00B0F0"/>
+            </a:solidFill>
+          </a:ln>
+        </p:spPr>
+      </p:pic>
+      <p:sp>
+        <p:nvSpPr>
+          <p:cNvPr id="10" name="Title 1"/>
+          <p:cNvSpPr>
+            <a:spLocks noGrp="1"/>
+          </p:cNvSpPr>
+          <p:nvPr>
+            <p:ph type="title"/>
+          </p:nvPr>
+        </p:nvSpPr>
+        <p:spPr>
+          <a:xfrm>
+            <a:off x="130629" y="0"/>
+            <a:ext cx="9692640" cy="1325562"/>
+          </a:xfrm>
+        </p:spPr>
+        <p:txBody>
+          <a:bodyPr>
+            <a:normAutofit/>
+          </a:bodyPr>
+          <a:lstStyle/>
+          <a:p>
+            <a:r>
+              <a:rPr lang="en-US" sz="4000" dirty="0"/>
+              <a:t>DARPA 2018</a:t>
+            </a:r>
+            <a:endParaRPr lang="he-IL" sz="4000" dirty="0"/>
+          </a:p>
+        </p:txBody>
+      </p:sp>
+      <p:sp>
+        <p:nvSpPr>
+          <p:cNvPr id="11" name="Title 1"/>
+          <p:cNvSpPr txBox="1">
+            <a:spLocks/>
+          </p:cNvSpPr>
+          <p:nvPr/>
+        </p:nvSpPr>
+        <p:spPr>
+          <a:xfrm>
+            <a:off x="7584308" y="565234"/>
+            <a:ext cx="1448032" cy="670391"/>
+          </a:xfrm>
+          <a:prstGeom prst="rect">
+            <a:avLst/>
+          </a:prstGeom>
+        </p:spPr>
+        <p:txBody>
+          <a:bodyPr vert="horz" lIns="91440" tIns="45720" rIns="91440" bIns="45720" rtlCol="0" anchor="b">
+            <a:normAutofit/>
+          </a:bodyPr>
+          <a:lstStyle>
+            <a:lvl1pPr algn="l" defTabSz="914400" rtl="0" eaLnBrk="1" latinLnBrk="0" hangingPunct="1">
+              <a:lnSpc>
+                <a:spcPct val="90000"/>
+              </a:lnSpc>
+              <a:spcBef>
+                <a:spcPct val="0"/>
+              </a:spcBef>
+              <a:buNone/>
+              <a:defRPr sz="4400" kern="1200" spc="-50" baseline="0">
+                <a:solidFill>
+                  <a:schemeClr val="tx1"/>
+                </a:solidFill>
+                <a:latin typeface="+mj-lt"/>
+                <a:ea typeface="+mj-ea"/>
+                <a:cs typeface="+mj-cs"/>
+              </a:defRPr>
+            </a:lvl1pPr>
+          </a:lstStyle>
+          <a:p>
+            <a:r>
+              <a:rPr lang="en-US" sz="2400" dirty="0" smtClean="0">
+                <a:solidFill>
+                  <a:srgbClr val="FF0000"/>
+                </a:solidFill>
+              </a:rPr>
+              <a:t>LSTM</a:t>
+            </a:r>
+            <a:endParaRPr lang="he-IL" sz="2400" dirty="0">
+              <a:solidFill>
+                <a:srgbClr val="FF0000"/>
+              </a:solidFill>
+            </a:endParaRPr>
+          </a:p>
+        </p:txBody>
+      </p:sp>
+      <p:sp>
+        <p:nvSpPr>
+          <p:cNvPr id="12" name="Title 1"/>
+          <p:cNvSpPr txBox="1">
+            <a:spLocks/>
+          </p:cNvSpPr>
+          <p:nvPr/>
+        </p:nvSpPr>
+        <p:spPr>
+          <a:xfrm>
+            <a:off x="7584308" y="3436356"/>
+            <a:ext cx="1817981" cy="670391"/>
+          </a:xfrm>
+          <a:prstGeom prst="rect">
+            <a:avLst/>
+          </a:prstGeom>
+        </p:spPr>
+        <p:txBody>
+          <a:bodyPr vert="horz" lIns="91440" tIns="45720" rIns="91440" bIns="45720" rtlCol="0" anchor="b">
+            <a:normAutofit/>
+          </a:bodyPr>
+          <a:lstStyle>
+            <a:lvl1pPr algn="l" defTabSz="914400" rtl="0" eaLnBrk="1" latinLnBrk="0" hangingPunct="1">
+              <a:lnSpc>
+                <a:spcPct val="90000"/>
+              </a:lnSpc>
+              <a:spcBef>
+                <a:spcPct val="0"/>
+              </a:spcBef>
+              <a:buNone/>
+              <a:defRPr sz="4400" kern="1200" spc="-50" baseline="0">
+                <a:solidFill>
+                  <a:schemeClr val="tx1"/>
+                </a:solidFill>
+                <a:latin typeface="+mj-lt"/>
+                <a:ea typeface="+mj-ea"/>
+                <a:cs typeface="+mj-cs"/>
+              </a:defRPr>
+            </a:lvl1pPr>
+          </a:lstStyle>
+          <a:p>
+            <a:r>
+              <a:rPr lang="en-US" sz="2400" dirty="0" smtClean="0">
+                <a:solidFill>
+                  <a:srgbClr val="00B0F0"/>
+                </a:solidFill>
+              </a:rPr>
+              <a:t>Frequency</a:t>
+            </a:r>
+            <a:endParaRPr lang="he-IL" sz="2400" dirty="0">
+              <a:solidFill>
+                <a:srgbClr val="00B0F0"/>
+              </a:solidFill>
+            </a:endParaRPr>
+          </a:p>
+        </p:txBody>
+      </p:sp>
+    </p:spTree>
+    <p:extLst>
+      <p:ext uri="{BB962C8B-B14F-4D97-AF65-F5344CB8AC3E}">
+        <p14:creationId xmlns:p14="http://schemas.microsoft.com/office/powerpoint/2010/main" val="51150605"/>
+      </p:ext>
+    </p:extLst>
+  </p:cSld>
+  <p:clrMapOvr>
+    <a:masterClrMapping/>
+  </p:clrMapOvr>
+  <p:timing>
+    <p:tnLst>
+      <p:par>
+        <p:cTn id="1" dur="indefinite" restart="never" nodeType="tmRoot">
+          <p:childTnLst>
+            <p:seq concurrent="1" nextAc="seek">
+              <p:cTn id="2" dur="indefinite" nodeType="mainSeq">
+                <p:childTnLst>
+                  <p:par>
+                    <p:cTn id="3" fill="hold">
+                      <p:stCondLst>
+                        <p:cond delay="indefinite"/>
+                      </p:stCondLst>
+                      <p:childTnLst>
+                        <p:par>
+                          <p:cTn id="4" fill="hold">
+                            <p:stCondLst>
+                              <p:cond delay="0"/>
+                            </p:stCondLst>
+                            <p:childTnLst>
+                              <p:par>
+                                <p:cTn id="5" presetID="1" presetClass="entr" presetSubtype="0" fill="hold" grpId="0" nodeType="clickEffect">
+                                  <p:stCondLst>
+                                    <p:cond delay="0"/>
+                                  </p:stCondLst>
+                                  <p:childTnLst>
+                                    <p:set>
+                                      <p:cBhvr>
+                                        <p:cTn id="6" dur="1" fill="hold">
+                                          <p:stCondLst>
+                                            <p:cond delay="0"/>
+                                          </p:stCondLst>
+                                        </p:cTn>
+                                        <p:tgtEl>
+                                          <p:spTgt spid="3">
+                                            <p:txEl>
+                                              <p:pRg st="0" end="0"/>
+                                            </p:txEl>
+                                          </p:spTgt>
+                                        </p:tgtEl>
+                                        <p:attrNameLst>
+                                          <p:attrName>style.visibility</p:attrName>
+                                        </p:attrNameLst>
+                                      </p:cBhvr>
+                                      <p:to>
+                                        <p:strVal val="visible"/>
+                                      </p:to>
+                                    </p:set>
+                                  </p:childTnLst>
+                                </p:cTn>
+                              </p:par>
+                            </p:childTnLst>
+                          </p:cTn>
+                        </p:par>
+                      </p:childTnLst>
+                    </p:cTn>
+                  </p:par>
+                  <p:par>
+                    <p:cTn id="7" fill="hold">
+                      <p:stCondLst>
+                        <p:cond delay="indefinite"/>
+                      </p:stCondLst>
+                      <p:childTnLst>
+                        <p:par>
+                          <p:cTn id="8" fill="hold">
+                            <p:stCondLst>
+                              <p:cond delay="0"/>
+                            </p:stCondLst>
+                            <p:childTnLst>
+                              <p:par>
+                                <p:cTn id="9" presetID="1" presetClass="entr" presetSubtype="0" fill="hold" grpId="0" nodeType="clickEffect">
+                                  <p:stCondLst>
+                                    <p:cond delay="0"/>
+                                  </p:stCondLst>
+                                  <p:childTnLst>
+                                    <p:set>
+                                      <p:cBhvr>
+                                        <p:cTn id="10" dur="1" fill="hold">
+                                          <p:stCondLst>
+                                            <p:cond delay="0"/>
+                                          </p:stCondLst>
+                                        </p:cTn>
+                                        <p:tgtEl>
+                                          <p:spTgt spid="3">
+                                            <p:txEl>
+                                              <p:pRg st="1" end="1"/>
+                                            </p:txEl>
+                                          </p:spTgt>
+                                        </p:tgtEl>
+                                        <p:attrNameLst>
+                                          <p:attrName>style.visibility</p:attrName>
+                                        </p:attrNameLst>
+                                      </p:cBhvr>
+                                      <p:to>
+                                        <p:strVal val="visible"/>
+                                      </p:to>
+                                    </p:set>
+                                  </p:childTnLst>
+                                </p:cTn>
+                              </p:par>
+                            </p:childTnLst>
+                          </p:cTn>
+                        </p:par>
+                      </p:childTnLst>
+                    </p:cTn>
+                  </p:par>
+                  <p:par>
+                    <p:cTn id="11" fill="hold">
+                      <p:stCondLst>
+                        <p:cond delay="indefinite"/>
+                      </p:stCondLst>
+                      <p:childTnLst>
+                        <p:par>
+                          <p:cTn id="12" fill="hold">
+                            <p:stCondLst>
+                              <p:cond delay="0"/>
+                            </p:stCondLst>
+                            <p:childTnLst>
+                              <p:par>
+                                <p:cTn id="13" presetID="1" presetClass="entr" presetSubtype="0" fill="hold" grpId="0" nodeType="clickEffect">
+                                  <p:stCondLst>
+                                    <p:cond delay="0"/>
+                                  </p:stCondLst>
+                                  <p:childTnLst>
+                                    <p:set>
+                                      <p:cBhvr>
+                                        <p:cTn id="14" dur="1" fill="hold">
+                                          <p:stCondLst>
+                                            <p:cond delay="0"/>
+                                          </p:stCondLst>
+                                        </p:cTn>
+                                        <p:tgtEl>
+                                          <p:spTgt spid="3">
+                                            <p:txEl>
+                                              <p:pRg st="2" end="2"/>
+                                            </p:txEl>
+                                          </p:spTgt>
+                                        </p:tgtEl>
+                                        <p:attrNameLst>
+                                          <p:attrName>style.visibility</p:attrName>
+                                        </p:attrNameLst>
+                                      </p:cBhvr>
+                                      <p:to>
+                                        <p:strVal val="visible"/>
+                                      </p:to>
+                                    </p:set>
+                                  </p:childTnLst>
+                                </p:cTn>
+                              </p:par>
+                            </p:childTnLst>
+                          </p:cTn>
+                        </p:par>
+                      </p:childTnLst>
+                    </p:cTn>
+                  </p:par>
+                  <p:par>
+                    <p:cTn id="15" fill="hold">
+                      <p:stCondLst>
+                        <p:cond delay="indefinite"/>
+                      </p:stCondLst>
+                      <p:childTnLst>
+                        <p:par>
+                          <p:cTn id="16" fill="hold">
+                            <p:stCondLst>
+                              <p:cond delay="0"/>
+                            </p:stCondLst>
+                            <p:childTnLst>
+                              <p:par>
+                                <p:cTn id="17" presetID="1" presetClass="entr" presetSubtype="0" fill="hold" grpId="0" nodeType="clickEffect">
+                                  <p:stCondLst>
+                                    <p:cond delay="0"/>
+                                  </p:stCondLst>
+                                  <p:childTnLst>
+                                    <p:set>
+                                      <p:cBhvr>
+                                        <p:cTn id="18" dur="1" fill="hold">
+                                          <p:stCondLst>
+                                            <p:cond delay="0"/>
+                                          </p:stCondLst>
+                                        </p:cTn>
+                                        <p:tgtEl>
+                                          <p:spTgt spid="3">
+                                            <p:txEl>
+                                              <p:pRg st="3" end="3"/>
+                                            </p:txEl>
+                                          </p:spTgt>
+                                        </p:tgtEl>
+                                        <p:attrNameLst>
+                                          <p:attrName>style.visibility</p:attrName>
+                                        </p:attrNameLst>
+                                      </p:cBhvr>
+                                      <p:to>
+                                        <p:strVal val="visible"/>
+                                      </p:to>
+                                    </p:set>
+                                  </p:childTnLst>
+                                </p:cTn>
+                              </p:par>
+                            </p:childTnLst>
+                          </p:cTn>
+                        </p:par>
+                      </p:childTnLst>
+                    </p:cTn>
+                  </p:par>
+                  <p:par>
+                    <p:cTn id="19" fill="hold">
+                      <p:stCondLst>
+                        <p:cond delay="indefinite"/>
+                      </p:stCondLst>
+                      <p:childTnLst>
+                        <p:par>
+                          <p:cTn id="20" fill="hold">
+                            <p:stCondLst>
+                              <p:cond delay="0"/>
+                            </p:stCondLst>
+                            <p:childTnLst>
+                              <p:par>
+                                <p:cTn id="21" presetID="1" presetClass="entr" presetSubtype="0" fill="hold" grpId="0" nodeType="clickEffect">
+                                  <p:stCondLst>
+                                    <p:cond delay="0"/>
+                                  </p:stCondLst>
+                                  <p:childTnLst>
+                                    <p:set>
+                                      <p:cBhvr>
+                                        <p:cTn id="22" dur="1" fill="hold">
+                                          <p:stCondLst>
+                                            <p:cond delay="0"/>
+                                          </p:stCondLst>
+                                        </p:cTn>
+                                        <p:tgtEl>
+                                          <p:spTgt spid="3">
+                                            <p:txEl>
+                                              <p:pRg st="4" end="4"/>
+                                            </p:txEl>
+                                          </p:spTgt>
+                                        </p:tgtEl>
+                                        <p:attrNameLst>
+                                          <p:attrName>style.visibility</p:attrName>
+                                        </p:attrNameLst>
+                                      </p:cBhvr>
+                                      <p:to>
+                                        <p:strVal val="visible"/>
+                                      </p:to>
+                                    </p:set>
+                                  </p:childTnLst>
+                                </p:cTn>
+                              </p:par>
+                            </p:childTnLst>
+                          </p:cTn>
+                        </p:par>
+                      </p:childTnLst>
+                    </p:cTn>
+                  </p:par>
+                  <p:par>
+                    <p:cTn id="23" fill="hold">
+                      <p:stCondLst>
+                        <p:cond delay="indefinite"/>
+                      </p:stCondLst>
+                      <p:childTnLst>
+                        <p:par>
+                          <p:cTn id="24" fill="hold">
+                            <p:stCondLst>
+                              <p:cond delay="0"/>
+                            </p:stCondLst>
+                            <p:childTnLst>
+                              <p:par>
+                                <p:cTn id="25" presetID="1" presetClass="entr" presetSubtype="0" fill="hold" grpId="0" nodeType="clickEffect">
+                                  <p:stCondLst>
+                                    <p:cond delay="0"/>
+                                  </p:stCondLst>
+                                  <p:childTnLst>
+                                    <p:set>
+                                      <p:cBhvr>
+                                        <p:cTn id="26" dur="1" fill="hold">
+                                          <p:stCondLst>
+                                            <p:cond delay="0"/>
+                                          </p:stCondLst>
+                                        </p:cTn>
+                                        <p:tgtEl>
+                                          <p:spTgt spid="11"/>
+                                        </p:tgtEl>
+                                        <p:attrNameLst>
+                                          <p:attrName>style.visibility</p:attrName>
+                                        </p:attrNameLst>
+                                      </p:cBhvr>
+                                      <p:to>
+                                        <p:strVal val="visible"/>
+                                      </p:to>
+                                    </p:set>
+                                  </p:childTnLst>
+                                </p:cTn>
+                              </p:par>
+                              <p:par>
+                                <p:cTn id="27" presetID="1" presetClass="entr" presetSubtype="0" fill="hold" nodeType="withEffect">
+                                  <p:stCondLst>
+                                    <p:cond delay="0"/>
+                                  </p:stCondLst>
+                                  <p:childTnLst>
+                                    <p:set>
+                                      <p:cBhvr>
+                                        <p:cTn id="28" dur="1" fill="hold">
+                                          <p:stCondLst>
+                                            <p:cond delay="0"/>
+                                          </p:stCondLst>
+                                        </p:cTn>
+                                        <p:tgtEl>
+                                          <p:spTgt spid="7"/>
+                                        </p:tgtEl>
+                                        <p:attrNameLst>
+                                          <p:attrName>style.visibility</p:attrName>
+                                        </p:attrNameLst>
+                                      </p:cBhvr>
+                                      <p:to>
+                                        <p:strVal val="visible"/>
+                                      </p:to>
+                                    </p:set>
+                                  </p:childTnLst>
+                                </p:cTn>
+                              </p:par>
+                            </p:childTnLst>
+                          </p:cTn>
+                        </p:par>
+                      </p:childTnLst>
+                    </p:cTn>
+                  </p:par>
+                  <p:par>
+                    <p:cTn id="29" fill="hold">
+                      <p:stCondLst>
+                        <p:cond delay="indefinite"/>
+                      </p:stCondLst>
+                      <p:childTnLst>
+                        <p:par>
+                          <p:cTn id="30" fill="hold">
+                            <p:stCondLst>
+                              <p:cond delay="0"/>
+                            </p:stCondLst>
+                            <p:childTnLst>
+                              <p:par>
+                                <p:cTn id="31" presetID="1" presetClass="entr" presetSubtype="0" fill="hold" nodeType="clickEffect">
+                                  <p:stCondLst>
+                                    <p:cond delay="0"/>
+                                  </p:stCondLst>
+                                  <p:childTnLst>
+                                    <p:set>
+                                      <p:cBhvr>
+                                        <p:cTn id="32" dur="1" fill="hold">
+                                          <p:stCondLst>
+                                            <p:cond delay="0"/>
+                                          </p:stCondLst>
+                                        </p:cTn>
+                                        <p:tgtEl>
+                                          <p:spTgt spid="8"/>
+                                        </p:tgtEl>
+                                        <p:attrNameLst>
+                                          <p:attrName>style.visibility</p:attrName>
+                                        </p:attrNameLst>
+                                      </p:cBhvr>
+                                      <p:to>
+                                        <p:strVal val="visible"/>
+                                      </p:to>
+                                    </p:set>
+                                  </p:childTnLst>
+                                </p:cTn>
+                              </p:par>
+                              <p:par>
+                                <p:cTn id="33" presetID="1" presetClass="entr" presetSubtype="0" fill="hold" grpId="0" nodeType="withEffect">
+                                  <p:stCondLst>
+                                    <p:cond delay="0"/>
+                                  </p:stCondLst>
+                                  <p:childTnLst>
+                                    <p:set>
+                                      <p:cBhvr>
+                                        <p:cTn id="34" dur="1" fill="hold">
+                                          <p:stCondLst>
+                                            <p:cond delay="0"/>
+                                          </p:stCondLst>
+                                        </p:cTn>
+                                        <p:tgtEl>
+                                          <p:spTgt spid="12"/>
+                                        </p:tgtEl>
+                                        <p:attrNameLst>
+                                          <p:attrName>style.visibility</p:attrName>
+                                        </p:attrNameLst>
+                                      </p:cBhvr>
+                                      <p:to>
+                                        <p:strVal val="visible"/>
+                                      </p:to>
+                                    </p:set>
+                                  </p:childTnLst>
+                                </p:cTn>
+                              </p:par>
+                            </p:childTnLst>
+                          </p:cTn>
+                        </p:par>
+                      </p:childTnLst>
+                    </p:cTn>
+                  </p:par>
+                </p:childTnLst>
+              </p:cTn>
+              <p:prevCondLst>
+                <p:cond evt="onPrev" delay="0">
+                  <p:tgtEl>
+                    <p:sldTgt/>
+                  </p:tgtEl>
+                </p:cond>
+              </p:prevCondLst>
+              <p:nextCondLst>
+                <p:cond evt="onNext" delay="0">
+                  <p:tgtEl>
+                    <p:sldTgt/>
+                  </p:tgtEl>
+                </p:cond>
+              </p:nextCondLst>
+            </p:seq>
+          </p:childTnLst>
+        </p:cTn>
+      </p:par>
+    </p:tnLst>
+    <p:bldLst>
+      <p:bldP spid="3" grpId="0" uiExpand="1" build="p"/>
+      <p:bldP spid="11" grpId="0"/>
+      <p:bldP spid="12" grpId="0"/>
+    </p:bldLst>
+  </p:timing>
+</p:sld>
+</file>
+
 <file path=ppt/slides/slide7.xml><?xml version="1.0" encoding="utf-8"?>
 <p:sld xmlns:a="http://schemas.openxmlformats.org/drawingml/2006/main" xmlns:r="http://schemas.openxmlformats.org/officeDocument/2006/relationships" xmlns:p="http://schemas.openxmlformats.org/presentationml/2006/main">
   <p:cSld>
@@ -7683,14 +9254,19 @@
             <p:ph type="title"/>
           </p:nvPr>
         </p:nvSpPr>
-        <p:spPr/>
+        <p:spPr>
+          <a:xfrm>
+            <a:off x="646410" y="0"/>
+            <a:ext cx="9692640" cy="1325562"/>
+          </a:xfrm>
+        </p:spPr>
         <p:txBody>
           <a:bodyPr/>
           <a:lstStyle/>
           <a:p>
             <a:r>
               <a:rPr lang="en-US" dirty="0" smtClean="0"/>
-              <a:t>Your approach (50%)</a:t>
+              <a:t>Approach I</a:t>
             </a:r>
             <a:endParaRPr lang="en-US" dirty="0"/>
           </a:p>
@@ -7708,101 +9284,148 @@
         </p:nvSpPr>
         <p:spPr>
           <a:xfrm>
-            <a:off x="1261872" y="1828800"/>
-            <a:ext cx="9692640" cy="4351337"/>
+            <a:off x="646410" y="1477109"/>
+            <a:ext cx="10646430" cy="4843706"/>
           </a:xfrm>
         </p:spPr>
         <p:txBody>
-          <a:bodyPr/>
+          <a:bodyPr>
+            <a:noAutofit/>
+          </a:bodyPr>
           <a:lstStyle/>
           <a:p>
             <a:r>
-              <a:rPr lang="en-US" dirty="0" smtClean="0"/>
-              <a:t>Characterize your approach (10%)</a:t>
-            </a:r>
-          </a:p>
-          <a:p>
-            <a:pPr lvl="1"/>
-            <a:r>
-              <a:rPr lang="en-US" dirty="0" smtClean="0"/>
-              <a:t>E.g., density based, graph based, statistical, hybrid etc</a:t>
-            </a:r>
-            <a:r>
-              <a:rPr lang="en-US" dirty="0"/>
-              <a:t>.</a:t>
-            </a:r>
-            <a:endParaRPr lang="en-US" dirty="0" smtClean="0"/>
-          </a:p>
-          <a:p>
-            <a:r>
-              <a:rPr lang="en-US" dirty="0" smtClean="0"/>
-              <a:t>Describe your algorithm / feature selection or extraction process (30%)</a:t>
-            </a:r>
-          </a:p>
-          <a:p>
-            <a:pPr lvl="1"/>
-            <a:r>
-              <a:rPr lang="en-US" dirty="0" smtClean="0"/>
-              <a:t>Give enough detail, but be elegant in doing so; give intuition to how and why it should work</a:t>
-            </a:r>
-          </a:p>
-          <a:p>
-            <a:pPr lvl="1"/>
-            <a:r>
-              <a:rPr lang="en-US" dirty="0" smtClean="0"/>
-              <a:t>Emphasize the creative / none intuitive parts</a:t>
-            </a:r>
-          </a:p>
-          <a:p>
-            <a:pPr lvl="1"/>
-            <a:r>
-              <a:rPr lang="en-US" dirty="0" smtClean="0"/>
-              <a:t>Try hard not to apply just a basic approach</a:t>
-            </a:r>
-          </a:p>
-          <a:p>
-            <a:pPr lvl="1"/>
-            <a:r>
-              <a:rPr lang="en-US" dirty="0" smtClean="0"/>
-              <a:t>No need for implementation details, e.g., python, R, tensor flow, </a:t>
-            </a:r>
-            <a:r>
-              <a:rPr lang="en-US" dirty="0" err="1" smtClean="0"/>
-              <a:t>weka</a:t>
-            </a:r>
-            <a:r>
-              <a:rPr lang="en-US" dirty="0" smtClean="0"/>
-              <a:t> etc.</a:t>
-            </a:r>
-          </a:p>
-          <a:p>
-            <a:r>
-              <a:rPr lang="en-US" dirty="0" smtClean="0"/>
-              <a:t>How does your approach handle the key challenges? (10%)</a:t>
-            </a:r>
-          </a:p>
-        </p:txBody>
-      </p:sp>
-      <p:sp>
-        <p:nvSpPr>
-          <p:cNvPr id="4" name="Date Placeholder 3"/>
-          <p:cNvSpPr>
-            <a:spLocks noGrp="1"/>
-          </p:cNvSpPr>
-          <p:nvPr>
-            <p:ph type="dt" sz="half" idx="10"/>
-          </p:nvPr>
-        </p:nvSpPr>
-        <p:spPr/>
-        <p:txBody>
-          <a:bodyPr/>
-          <a:lstStyle/>
-          <a:p>
-            <a:fld id="{1C1FBBDB-9DA1-4AA6-A990-B1A599CBC769}" type="datetime2">
-              <a:rPr lang="en-US" smtClean="0"/>
-              <a:t>Friday, June 8, 2018</a:t>
-            </a:fld>
-            <a:endParaRPr lang="he-IL"/>
+              <a:rPr lang="en-US" sz="2800" dirty="0" smtClean="0"/>
+              <a:t>Assumption: all attacks share something in common.</a:t>
+            </a:r>
+            <a:endParaRPr lang="en-US" sz="2800" dirty="0" smtClean="0"/>
+          </a:p>
+          <a:p>
+            <a:r>
+              <a:rPr lang="en-US" sz="2800" dirty="0" smtClean="0"/>
+              <a:t>Algorith</a:t>
+            </a:r>
+            <a:r>
+              <a:rPr lang="en-US" sz="2800" dirty="0" smtClean="0"/>
+              <a:t>m (Multiple LSTM, with “voting”):</a:t>
+            </a:r>
+          </a:p>
+          <a:p>
+            <a:pPr marL="617220" lvl="1" indent="-342900">
+              <a:buFont typeface="+mj-lt"/>
+              <a:buAutoNum type="arabicPeriod"/>
+            </a:pPr>
+            <a:r>
+              <a:rPr lang="en-US" sz="2400" dirty="0" smtClean="0"/>
+              <a:t>Training: train LSTM model per known attack</a:t>
+            </a:r>
+          </a:p>
+          <a:p>
+            <a:pPr marL="617220" lvl="1" indent="-342900">
+              <a:buFont typeface="+mj-lt"/>
+              <a:buAutoNum type="arabicPeriod"/>
+            </a:pPr>
+            <a:r>
+              <a:rPr lang="en-US" sz="2400" dirty="0" smtClean="0"/>
+              <a:t>Tagging:</a:t>
+            </a:r>
+          </a:p>
+          <a:p>
+            <a:pPr marL="891540" lvl="2" indent="-342900">
+              <a:buFont typeface="+mj-lt"/>
+              <a:buAutoNum type="arabicPeriod"/>
+            </a:pPr>
+            <a:r>
+              <a:rPr lang="en-US" sz="2000" dirty="0" smtClean="0"/>
+              <a:t>given a new sample run through all models</a:t>
+            </a:r>
+          </a:p>
+          <a:p>
+            <a:pPr marL="891540" lvl="2" indent="-342900">
+              <a:buFont typeface="+mj-lt"/>
+              <a:buAutoNum type="arabicPeriod"/>
+            </a:pPr>
+            <a:r>
+              <a:rPr lang="en-US" sz="2000" dirty="0" smtClean="0"/>
+              <a:t>If one (or more) is “positively sure” (output 1~)  =&gt; Tag as an attack</a:t>
+            </a:r>
+          </a:p>
+          <a:p>
+            <a:pPr marL="891540" lvl="2" indent="-342900">
+              <a:buFont typeface="+mj-lt"/>
+              <a:buAutoNum type="arabicPeriod"/>
+            </a:pPr>
+            <a:r>
+              <a:rPr lang="en-US" sz="2000" dirty="0" smtClean="0"/>
+              <a:t>Else, if one (or more) is “negatively sure” (output 0~) =&gt; </a:t>
+            </a:r>
+            <a:r>
+              <a:rPr lang="en-US" sz="2000" dirty="0"/>
+              <a:t>Tag as </a:t>
+            </a:r>
+            <a:r>
+              <a:rPr lang="en-US" sz="2000" dirty="0" smtClean="0"/>
+              <a:t>a benign</a:t>
+            </a:r>
+          </a:p>
+          <a:p>
+            <a:pPr marL="891540" lvl="2" indent="-342900">
+              <a:buFont typeface="+mj-lt"/>
+              <a:buAutoNum type="arabicPeriod"/>
+            </a:pPr>
+            <a:r>
+              <a:rPr lang="en-US" sz="2000" dirty="0" smtClean="0"/>
+              <a:t>Else, if average output is above THRESHOLD =&gt; </a:t>
+            </a:r>
+            <a:r>
+              <a:rPr lang="en-US" sz="2000" dirty="0"/>
+              <a:t>Tag as an </a:t>
+            </a:r>
+            <a:r>
+              <a:rPr lang="en-US" sz="2000" dirty="0" smtClean="0"/>
+              <a:t>attack</a:t>
+            </a:r>
+          </a:p>
+          <a:p>
+            <a:pPr marL="891540" lvl="2" indent="-342900">
+              <a:buFont typeface="+mj-lt"/>
+              <a:buAutoNum type="arabicPeriod"/>
+            </a:pPr>
+            <a:r>
+              <a:rPr lang="en-US" sz="2000" dirty="0" smtClean="0"/>
+              <a:t>Else, =&gt; </a:t>
+            </a:r>
+            <a:r>
+              <a:rPr lang="en-US" sz="2000" dirty="0"/>
+              <a:t>Tag as </a:t>
+            </a:r>
+            <a:r>
+              <a:rPr lang="en-US" sz="2000" dirty="0" smtClean="0"/>
+              <a:t>a benign</a:t>
+            </a:r>
+          </a:p>
+          <a:p>
+            <a:pPr marL="617220" lvl="1" indent="-342900">
+              <a:buFont typeface="+mj-lt"/>
+              <a:buAutoNum type="arabicPeriod"/>
+            </a:pPr>
+            <a:r>
+              <a:rPr lang="en-US" sz="2400" dirty="0" smtClean="0"/>
+              <a:t>Tuning: use unseen attack (by trained models) to tune THRESHOLD.</a:t>
+            </a:r>
+          </a:p>
+          <a:p>
+            <a:pPr marL="617220" lvl="1" indent="-342900">
+              <a:buFont typeface="+mj-lt"/>
+              <a:buAutoNum type="arabicPeriod"/>
+            </a:pPr>
+            <a:r>
+              <a:rPr lang="en-US" sz="2400" dirty="0" smtClean="0"/>
+              <a:t>Testing: test each N-1 models on Nth unseen attack.</a:t>
+            </a:r>
+          </a:p>
+          <a:p>
+            <a:endParaRPr lang="en-US" sz="2800" dirty="0" smtClean="0"/>
           </a:p>
         </p:txBody>
       </p:sp>
@@ -7844,7 +9467,569 @@
   <p:timing>
     <p:tnLst>
       <p:par>
-        <p:cTn id="1" dur="indefinite" restart="never" nodeType="tmRoot"/>
+        <p:cTn id="1" dur="indefinite" restart="never" nodeType="tmRoot">
+          <p:childTnLst>
+            <p:seq concurrent="1" nextAc="seek">
+              <p:cTn id="2" dur="indefinite" nodeType="mainSeq">
+                <p:childTnLst>
+                  <p:par>
+                    <p:cTn id="3" fill="hold">
+                      <p:stCondLst>
+                        <p:cond delay="indefinite"/>
+                      </p:stCondLst>
+                      <p:childTnLst>
+                        <p:par>
+                          <p:cTn id="4" fill="hold">
+                            <p:stCondLst>
+                              <p:cond delay="0"/>
+                            </p:stCondLst>
+                            <p:childTnLst>
+                              <p:par>
+                                <p:cTn id="5" presetID="1" presetClass="entr" presetSubtype="0" fill="hold" nodeType="clickEffect">
+                                  <p:stCondLst>
+                                    <p:cond delay="0"/>
+                                  </p:stCondLst>
+                                  <p:childTnLst>
+                                    <p:set>
+                                      <p:cBhvr>
+                                        <p:cTn id="6" dur="1" fill="hold">
+                                          <p:stCondLst>
+                                            <p:cond delay="0"/>
+                                          </p:stCondLst>
+                                        </p:cTn>
+                                        <p:tgtEl>
+                                          <p:spTgt spid="3">
+                                            <p:txEl>
+                                              <p:pRg st="0" end="0"/>
+                                            </p:txEl>
+                                          </p:spTgt>
+                                        </p:tgtEl>
+                                        <p:attrNameLst>
+                                          <p:attrName>style.visibility</p:attrName>
+                                        </p:attrNameLst>
+                                      </p:cBhvr>
+                                      <p:to>
+                                        <p:strVal val="visible"/>
+                                      </p:to>
+                                    </p:set>
+                                  </p:childTnLst>
+                                </p:cTn>
+                              </p:par>
+                            </p:childTnLst>
+                          </p:cTn>
+                        </p:par>
+                      </p:childTnLst>
+                    </p:cTn>
+                  </p:par>
+                  <p:par>
+                    <p:cTn id="7" fill="hold">
+                      <p:stCondLst>
+                        <p:cond delay="indefinite"/>
+                      </p:stCondLst>
+                      <p:childTnLst>
+                        <p:par>
+                          <p:cTn id="8" fill="hold">
+                            <p:stCondLst>
+                              <p:cond delay="0"/>
+                            </p:stCondLst>
+                            <p:childTnLst>
+                              <p:par>
+                                <p:cTn id="9" presetID="1" presetClass="entr" presetSubtype="0" fill="hold" nodeType="clickEffect">
+                                  <p:stCondLst>
+                                    <p:cond delay="0"/>
+                                  </p:stCondLst>
+                                  <p:childTnLst>
+                                    <p:set>
+                                      <p:cBhvr>
+                                        <p:cTn id="10" dur="1" fill="hold">
+                                          <p:stCondLst>
+                                            <p:cond delay="0"/>
+                                          </p:stCondLst>
+                                        </p:cTn>
+                                        <p:tgtEl>
+                                          <p:spTgt spid="3">
+                                            <p:txEl>
+                                              <p:pRg st="1" end="1"/>
+                                            </p:txEl>
+                                          </p:spTgt>
+                                        </p:tgtEl>
+                                        <p:attrNameLst>
+                                          <p:attrName>style.visibility</p:attrName>
+                                        </p:attrNameLst>
+                                      </p:cBhvr>
+                                      <p:to>
+                                        <p:strVal val="visible"/>
+                                      </p:to>
+                                    </p:set>
+                                  </p:childTnLst>
+                                </p:cTn>
+                              </p:par>
+                            </p:childTnLst>
+                          </p:cTn>
+                        </p:par>
+                      </p:childTnLst>
+                    </p:cTn>
+                  </p:par>
+                  <p:par>
+                    <p:cTn id="11" fill="hold">
+                      <p:stCondLst>
+                        <p:cond delay="indefinite"/>
+                      </p:stCondLst>
+                      <p:childTnLst>
+                        <p:par>
+                          <p:cTn id="12" fill="hold">
+                            <p:stCondLst>
+                              <p:cond delay="0"/>
+                            </p:stCondLst>
+                            <p:childTnLst>
+                              <p:par>
+                                <p:cTn id="13" presetID="1" presetClass="entr" presetSubtype="0" fill="hold" nodeType="clickEffect">
+                                  <p:stCondLst>
+                                    <p:cond delay="0"/>
+                                  </p:stCondLst>
+                                  <p:childTnLst>
+                                    <p:set>
+                                      <p:cBhvr>
+                                        <p:cTn id="14" dur="1" fill="hold">
+                                          <p:stCondLst>
+                                            <p:cond delay="0"/>
+                                          </p:stCondLst>
+                                        </p:cTn>
+                                        <p:tgtEl>
+                                          <p:spTgt spid="3">
+                                            <p:txEl>
+                                              <p:pRg st="2" end="2"/>
+                                            </p:txEl>
+                                          </p:spTgt>
+                                        </p:tgtEl>
+                                        <p:attrNameLst>
+                                          <p:attrName>style.visibility</p:attrName>
+                                        </p:attrNameLst>
+                                      </p:cBhvr>
+                                      <p:to>
+                                        <p:strVal val="visible"/>
+                                      </p:to>
+                                    </p:set>
+                                  </p:childTnLst>
+                                </p:cTn>
+                              </p:par>
+                            </p:childTnLst>
+                          </p:cTn>
+                        </p:par>
+                      </p:childTnLst>
+                    </p:cTn>
+                  </p:par>
+                  <p:par>
+                    <p:cTn id="15" fill="hold">
+                      <p:stCondLst>
+                        <p:cond delay="indefinite"/>
+                      </p:stCondLst>
+                      <p:childTnLst>
+                        <p:par>
+                          <p:cTn id="16" fill="hold">
+                            <p:stCondLst>
+                              <p:cond delay="0"/>
+                            </p:stCondLst>
+                            <p:childTnLst>
+                              <p:par>
+                                <p:cTn id="17" presetID="1" presetClass="entr" presetSubtype="0" fill="hold" nodeType="clickEffect">
+                                  <p:stCondLst>
+                                    <p:cond delay="0"/>
+                                  </p:stCondLst>
+                                  <p:childTnLst>
+                                    <p:set>
+                                      <p:cBhvr>
+                                        <p:cTn id="18" dur="1" fill="hold">
+                                          <p:stCondLst>
+                                            <p:cond delay="0"/>
+                                          </p:stCondLst>
+                                        </p:cTn>
+                                        <p:tgtEl>
+                                          <p:spTgt spid="3">
+                                            <p:txEl>
+                                              <p:pRg st="3" end="3"/>
+                                            </p:txEl>
+                                          </p:spTgt>
+                                        </p:tgtEl>
+                                        <p:attrNameLst>
+                                          <p:attrName>style.visibility</p:attrName>
+                                        </p:attrNameLst>
+                                      </p:cBhvr>
+                                      <p:to>
+                                        <p:strVal val="visible"/>
+                                      </p:to>
+                                    </p:set>
+                                  </p:childTnLst>
+                                </p:cTn>
+                              </p:par>
+                            </p:childTnLst>
+                          </p:cTn>
+                        </p:par>
+                      </p:childTnLst>
+                    </p:cTn>
+                  </p:par>
+                  <p:par>
+                    <p:cTn id="19" fill="hold">
+                      <p:stCondLst>
+                        <p:cond delay="indefinite"/>
+                      </p:stCondLst>
+                      <p:childTnLst>
+                        <p:par>
+                          <p:cTn id="20" fill="hold">
+                            <p:stCondLst>
+                              <p:cond delay="0"/>
+                            </p:stCondLst>
+                            <p:childTnLst>
+                              <p:par>
+                                <p:cTn id="21" presetID="1" presetClass="entr" presetSubtype="0" fill="hold" nodeType="clickEffect">
+                                  <p:stCondLst>
+                                    <p:cond delay="0"/>
+                                  </p:stCondLst>
+                                  <p:childTnLst>
+                                    <p:set>
+                                      <p:cBhvr>
+                                        <p:cTn id="22" dur="1" fill="hold">
+                                          <p:stCondLst>
+                                            <p:cond delay="0"/>
+                                          </p:stCondLst>
+                                        </p:cTn>
+                                        <p:tgtEl>
+                                          <p:spTgt spid="3">
+                                            <p:txEl>
+                                              <p:pRg st="4" end="4"/>
+                                            </p:txEl>
+                                          </p:spTgt>
+                                        </p:tgtEl>
+                                        <p:attrNameLst>
+                                          <p:attrName>style.visibility</p:attrName>
+                                        </p:attrNameLst>
+                                      </p:cBhvr>
+                                      <p:to>
+                                        <p:strVal val="visible"/>
+                                      </p:to>
+                                    </p:set>
+                                  </p:childTnLst>
+                                </p:cTn>
+                              </p:par>
+                            </p:childTnLst>
+                          </p:cTn>
+                        </p:par>
+                      </p:childTnLst>
+                    </p:cTn>
+                  </p:par>
+                  <p:par>
+                    <p:cTn id="23" fill="hold">
+                      <p:stCondLst>
+                        <p:cond delay="indefinite"/>
+                      </p:stCondLst>
+                      <p:childTnLst>
+                        <p:par>
+                          <p:cTn id="24" fill="hold">
+                            <p:stCondLst>
+                              <p:cond delay="0"/>
+                            </p:stCondLst>
+                            <p:childTnLst>
+                              <p:par>
+                                <p:cTn id="25" presetID="1" presetClass="entr" presetSubtype="0" fill="hold" nodeType="clickEffect">
+                                  <p:stCondLst>
+                                    <p:cond delay="0"/>
+                                  </p:stCondLst>
+                                  <p:childTnLst>
+                                    <p:set>
+                                      <p:cBhvr>
+                                        <p:cTn id="26" dur="1" fill="hold">
+                                          <p:stCondLst>
+                                            <p:cond delay="0"/>
+                                          </p:stCondLst>
+                                        </p:cTn>
+                                        <p:tgtEl>
+                                          <p:spTgt spid="3">
+                                            <p:txEl>
+                                              <p:pRg st="5" end="5"/>
+                                            </p:txEl>
+                                          </p:spTgt>
+                                        </p:tgtEl>
+                                        <p:attrNameLst>
+                                          <p:attrName>style.visibility</p:attrName>
+                                        </p:attrNameLst>
+                                      </p:cBhvr>
+                                      <p:to>
+                                        <p:strVal val="visible"/>
+                                      </p:to>
+                                    </p:set>
+                                  </p:childTnLst>
+                                </p:cTn>
+                              </p:par>
+                            </p:childTnLst>
+                          </p:cTn>
+                        </p:par>
+                      </p:childTnLst>
+                    </p:cTn>
+                  </p:par>
+                  <p:par>
+                    <p:cTn id="27" fill="hold">
+                      <p:stCondLst>
+                        <p:cond delay="indefinite"/>
+                      </p:stCondLst>
+                      <p:childTnLst>
+                        <p:par>
+                          <p:cTn id="28" fill="hold">
+                            <p:stCondLst>
+                              <p:cond delay="0"/>
+                            </p:stCondLst>
+                            <p:childTnLst>
+                              <p:par>
+                                <p:cTn id="29" presetID="1" presetClass="entr" presetSubtype="0" fill="hold" nodeType="clickEffect">
+                                  <p:stCondLst>
+                                    <p:cond delay="0"/>
+                                  </p:stCondLst>
+                                  <p:childTnLst>
+                                    <p:set>
+                                      <p:cBhvr>
+                                        <p:cTn id="30" dur="1" fill="hold">
+                                          <p:stCondLst>
+                                            <p:cond delay="0"/>
+                                          </p:stCondLst>
+                                        </p:cTn>
+                                        <p:tgtEl>
+                                          <p:spTgt spid="3">
+                                            <p:txEl>
+                                              <p:pRg st="6" end="6"/>
+                                            </p:txEl>
+                                          </p:spTgt>
+                                        </p:tgtEl>
+                                        <p:attrNameLst>
+                                          <p:attrName>style.visibility</p:attrName>
+                                        </p:attrNameLst>
+                                      </p:cBhvr>
+                                      <p:to>
+                                        <p:strVal val="visible"/>
+                                      </p:to>
+                                    </p:set>
+                                  </p:childTnLst>
+                                </p:cTn>
+                              </p:par>
+                            </p:childTnLst>
+                          </p:cTn>
+                        </p:par>
+                      </p:childTnLst>
+                    </p:cTn>
+                  </p:par>
+                  <p:par>
+                    <p:cTn id="31" fill="hold">
+                      <p:stCondLst>
+                        <p:cond delay="indefinite"/>
+                      </p:stCondLst>
+                      <p:childTnLst>
+                        <p:par>
+                          <p:cTn id="32" fill="hold">
+                            <p:stCondLst>
+                              <p:cond delay="0"/>
+                            </p:stCondLst>
+                            <p:childTnLst>
+                              <p:par>
+                                <p:cTn id="33" presetID="1" presetClass="entr" presetSubtype="0" fill="hold" nodeType="clickEffect">
+                                  <p:stCondLst>
+                                    <p:cond delay="0"/>
+                                  </p:stCondLst>
+                                  <p:childTnLst>
+                                    <p:set>
+                                      <p:cBhvr>
+                                        <p:cTn id="34" dur="1" fill="hold">
+                                          <p:stCondLst>
+                                            <p:cond delay="0"/>
+                                          </p:stCondLst>
+                                        </p:cTn>
+                                        <p:tgtEl>
+                                          <p:spTgt spid="3">
+                                            <p:txEl>
+                                              <p:pRg st="7" end="7"/>
+                                            </p:txEl>
+                                          </p:spTgt>
+                                        </p:tgtEl>
+                                        <p:attrNameLst>
+                                          <p:attrName>style.visibility</p:attrName>
+                                        </p:attrNameLst>
+                                      </p:cBhvr>
+                                      <p:to>
+                                        <p:strVal val="visible"/>
+                                      </p:to>
+                                    </p:set>
+                                  </p:childTnLst>
+                                </p:cTn>
+                              </p:par>
+                            </p:childTnLst>
+                          </p:cTn>
+                        </p:par>
+                      </p:childTnLst>
+                    </p:cTn>
+                  </p:par>
+                  <p:par>
+                    <p:cTn id="35" fill="hold">
+                      <p:stCondLst>
+                        <p:cond delay="indefinite"/>
+                      </p:stCondLst>
+                      <p:childTnLst>
+                        <p:par>
+                          <p:cTn id="36" fill="hold">
+                            <p:stCondLst>
+                              <p:cond delay="0"/>
+                            </p:stCondLst>
+                            <p:childTnLst>
+                              <p:par>
+                                <p:cTn id="37" presetID="1" presetClass="entr" presetSubtype="0" fill="hold" nodeType="clickEffect">
+                                  <p:stCondLst>
+                                    <p:cond delay="0"/>
+                                  </p:stCondLst>
+                                  <p:childTnLst>
+                                    <p:set>
+                                      <p:cBhvr>
+                                        <p:cTn id="38" dur="1" fill="hold">
+                                          <p:stCondLst>
+                                            <p:cond delay="0"/>
+                                          </p:stCondLst>
+                                        </p:cTn>
+                                        <p:tgtEl>
+                                          <p:spTgt spid="3">
+                                            <p:txEl>
+                                              <p:pRg st="8" end="8"/>
+                                            </p:txEl>
+                                          </p:spTgt>
+                                        </p:tgtEl>
+                                        <p:attrNameLst>
+                                          <p:attrName>style.visibility</p:attrName>
+                                        </p:attrNameLst>
+                                      </p:cBhvr>
+                                      <p:to>
+                                        <p:strVal val="visible"/>
+                                      </p:to>
+                                    </p:set>
+                                  </p:childTnLst>
+                                </p:cTn>
+                              </p:par>
+                            </p:childTnLst>
+                          </p:cTn>
+                        </p:par>
+                      </p:childTnLst>
+                    </p:cTn>
+                  </p:par>
+                  <p:par>
+                    <p:cTn id="39" fill="hold">
+                      <p:stCondLst>
+                        <p:cond delay="indefinite"/>
+                      </p:stCondLst>
+                      <p:childTnLst>
+                        <p:par>
+                          <p:cTn id="40" fill="hold">
+                            <p:stCondLst>
+                              <p:cond delay="0"/>
+                            </p:stCondLst>
+                            <p:childTnLst>
+                              <p:par>
+                                <p:cTn id="41" presetID="1" presetClass="entr" presetSubtype="0" fill="hold" nodeType="clickEffect">
+                                  <p:stCondLst>
+                                    <p:cond delay="0"/>
+                                  </p:stCondLst>
+                                  <p:childTnLst>
+                                    <p:set>
+                                      <p:cBhvr>
+                                        <p:cTn id="42" dur="1" fill="hold">
+                                          <p:stCondLst>
+                                            <p:cond delay="0"/>
+                                          </p:stCondLst>
+                                        </p:cTn>
+                                        <p:tgtEl>
+                                          <p:spTgt spid="3">
+                                            <p:txEl>
+                                              <p:pRg st="9" end="9"/>
+                                            </p:txEl>
+                                          </p:spTgt>
+                                        </p:tgtEl>
+                                        <p:attrNameLst>
+                                          <p:attrName>style.visibility</p:attrName>
+                                        </p:attrNameLst>
+                                      </p:cBhvr>
+                                      <p:to>
+                                        <p:strVal val="visible"/>
+                                      </p:to>
+                                    </p:set>
+                                  </p:childTnLst>
+                                </p:cTn>
+                              </p:par>
+                            </p:childTnLst>
+                          </p:cTn>
+                        </p:par>
+                      </p:childTnLst>
+                    </p:cTn>
+                  </p:par>
+                  <p:par>
+                    <p:cTn id="43" fill="hold">
+                      <p:stCondLst>
+                        <p:cond delay="indefinite"/>
+                      </p:stCondLst>
+                      <p:childTnLst>
+                        <p:par>
+                          <p:cTn id="44" fill="hold">
+                            <p:stCondLst>
+                              <p:cond delay="0"/>
+                            </p:stCondLst>
+                            <p:childTnLst>
+                              <p:par>
+                                <p:cTn id="45" presetID="1" presetClass="entr" presetSubtype="0" fill="hold" nodeType="clickEffect">
+                                  <p:stCondLst>
+                                    <p:cond delay="0"/>
+                                  </p:stCondLst>
+                                  <p:childTnLst>
+                                    <p:set>
+                                      <p:cBhvr>
+                                        <p:cTn id="46" dur="1" fill="hold">
+                                          <p:stCondLst>
+                                            <p:cond delay="0"/>
+                                          </p:stCondLst>
+                                        </p:cTn>
+                                        <p:tgtEl>
+                                          <p:spTgt spid="3">
+                                            <p:txEl>
+                                              <p:pRg st="10" end="10"/>
+                                            </p:txEl>
+                                          </p:spTgt>
+                                        </p:tgtEl>
+                                        <p:attrNameLst>
+                                          <p:attrName>style.visibility</p:attrName>
+                                        </p:attrNameLst>
+                                      </p:cBhvr>
+                                      <p:to>
+                                        <p:strVal val="visible"/>
+                                      </p:to>
+                                    </p:set>
+                                  </p:childTnLst>
+                                </p:cTn>
+                              </p:par>
+                            </p:childTnLst>
+                          </p:cTn>
+                        </p:par>
+                      </p:childTnLst>
+                    </p:cTn>
+                  </p:par>
+                </p:childTnLst>
+              </p:cTn>
+              <p:prevCondLst>
+                <p:cond evt="onPrev" delay="0">
+                  <p:tgtEl>
+                    <p:sldTgt/>
+                  </p:tgtEl>
+                </p:cond>
+              </p:prevCondLst>
+              <p:nextCondLst>
+                <p:cond evt="onNext" delay="0">
+                  <p:tgtEl>
+                    <p:sldTgt/>
+                  </p:tgtEl>
+                </p:cond>
+              </p:nextCondLst>
+            </p:seq>
+          </p:childTnLst>
+        </p:cTn>
       </p:par>
     </p:tnLst>
   </p:timing>
@@ -7870,31 +10055,6 @@
       </p:grpSpPr>
       <p:sp>
         <p:nvSpPr>
-          <p:cNvPr id="2" name="Title 1"/>
-          <p:cNvSpPr>
-            <a:spLocks noGrp="1"/>
-          </p:cNvSpPr>
-          <p:nvPr>
-            <p:ph type="title"/>
-          </p:nvPr>
-        </p:nvSpPr>
-        <p:spPr/>
-        <p:txBody>
-          <a:bodyPr>
-            <a:normAutofit/>
-          </a:bodyPr>
-          <a:lstStyle/>
-          <a:p>
-            <a:r>
-              <a:rPr lang="en-US" sz="4000" dirty="0" smtClean="0"/>
-              <a:t>Experimental setup and results (20%)</a:t>
-            </a:r>
-            <a:endParaRPr lang="en-US" sz="4000" dirty="0"/>
-          </a:p>
-        </p:txBody>
-      </p:sp>
-      <p:sp>
-        <p:nvSpPr>
           <p:cNvPr id="3" name="Content Placeholder 2"/>
           <p:cNvSpPr>
             <a:spLocks noGrp="1"/>
@@ -7905,8 +10065,8 @@
         </p:nvSpPr>
         <p:spPr>
           <a:xfrm>
-            <a:off x="953311" y="1828800"/>
-            <a:ext cx="10233497" cy="4351337"/>
+            <a:off x="355596" y="1047905"/>
+            <a:ext cx="2975059" cy="1723292"/>
           </a:xfrm>
         </p:spPr>
         <p:txBody>
@@ -7916,130 +10076,36 @@
           <a:lstStyle/>
           <a:p>
             <a:r>
+              <a:rPr lang="en-US" dirty="0" err="1"/>
+              <a:t>Avg</a:t>
+            </a:r>
+            <a:r>
+              <a:rPr lang="en-US" dirty="0"/>
+              <a:t>’ threshold 0.0135</a:t>
+            </a:r>
+          </a:p>
+          <a:p>
+            <a:r>
               <a:rPr lang="en-US" dirty="0" smtClean="0"/>
-              <a:t>Describe the data in detail (6%)</a:t>
-            </a:r>
-          </a:p>
-          <a:p>
-            <a:pPr lvl="1"/>
+              <a:t>Min </a:t>
+            </a:r>
+            <a:r>
+              <a:rPr lang="en-US" dirty="0"/>
+              <a:t>threshold 0 </a:t>
+            </a:r>
+          </a:p>
+          <a:p>
+            <a:r>
+              <a:rPr lang="en-US" dirty="0"/>
+              <a:t>Max threshold 1</a:t>
+            </a:r>
+          </a:p>
+          <a:p>
             <a:r>
               <a:rPr lang="en-US" dirty="0" smtClean="0"/>
-              <a:t>Characterize the data, e.g., a time series of graph representing communication links between users</a:t>
-            </a:r>
-          </a:p>
-          <a:p>
-            <a:pPr lvl="1"/>
-            <a:r>
-              <a:rPr lang="en-US" dirty="0" smtClean="0"/>
-              <a:t>What is the size of the data and  the % of anomalies?</a:t>
-            </a:r>
-          </a:p>
-          <a:p>
-            <a:pPr lvl="1"/>
-            <a:r>
-              <a:rPr lang="en-US" dirty="0" smtClean="0"/>
-              <a:t>Partition for train and test </a:t>
-            </a:r>
-          </a:p>
-          <a:p>
-            <a:r>
-              <a:rPr lang="en-US" dirty="0" smtClean="0"/>
-              <a:t>How good is your approach compared to other approaches? (10%)</a:t>
-            </a:r>
-          </a:p>
-          <a:p>
-            <a:pPr lvl="1"/>
-            <a:r>
-              <a:rPr lang="en-US" dirty="0" smtClean="0"/>
-              <a:t>What are the competitive and typical approaches used for this problem</a:t>
-            </a:r>
-          </a:p>
-          <a:p>
-            <a:pPr lvl="1"/>
-            <a:r>
-              <a:rPr lang="en-US" dirty="0" smtClean="0"/>
-              <a:t>Emphasize the reasoning behind tour evaluation calculation</a:t>
-            </a:r>
-          </a:p>
-          <a:p>
-            <a:pPr lvl="2"/>
-            <a:r>
-              <a:rPr lang="en-US" dirty="0" smtClean="0"/>
-              <a:t>E.g., in this domain minimizing false negatives is more important than minimizing false positives…</a:t>
-            </a:r>
-          </a:p>
-          <a:p>
-            <a:pPr lvl="1"/>
-            <a:r>
-              <a:rPr lang="en-US" dirty="0" smtClean="0"/>
-              <a:t>Compare the approaches (TPR, FPR, etc.). </a:t>
-            </a:r>
-            <a:r>
-              <a:rPr lang="en-US" dirty="0"/>
-              <a:t>explain the </a:t>
-            </a:r>
-            <a:r>
-              <a:rPr lang="en-US" dirty="0" smtClean="0"/>
-              <a:t>results</a:t>
-            </a:r>
-          </a:p>
-          <a:p>
-            <a:pPr lvl="1"/>
-            <a:r>
-              <a:rPr lang="en-US" dirty="0" smtClean="0"/>
-              <a:t>How is your approached sensitive to different parameters (display ROC, AUC), explain the results</a:t>
-            </a:r>
-          </a:p>
-          <a:p>
-            <a:pPr lvl="1"/>
-            <a:r>
-              <a:rPr lang="en-US" dirty="0" smtClean="0"/>
-              <a:t>Additional comparisons (runtime, memory)</a:t>
-            </a:r>
-          </a:p>
-          <a:p>
-            <a:r>
-              <a:rPr lang="en-US" dirty="0" smtClean="0"/>
-              <a:t>Implications (4%)</a:t>
-            </a:r>
-          </a:p>
-          <a:p>
-            <a:pPr lvl="1"/>
-            <a:r>
-              <a:rPr lang="en-US" dirty="0" smtClean="0"/>
-              <a:t>What do we know now or able to do now that was not possible before?</a:t>
-            </a:r>
-          </a:p>
-          <a:p>
-            <a:pPr lvl="1"/>
-            <a:r>
-              <a:rPr lang="en-US" dirty="0" smtClean="0"/>
-              <a:t>Academic: what have you learned during the course of this assignment?</a:t>
+              <a:t>AUC = 0.67</a:t>
             </a:r>
             <a:endParaRPr lang="en-US" dirty="0"/>
-          </a:p>
-        </p:txBody>
-      </p:sp>
-      <p:sp>
-        <p:nvSpPr>
-          <p:cNvPr id="4" name="Date Placeholder 3"/>
-          <p:cNvSpPr>
-            <a:spLocks noGrp="1"/>
-          </p:cNvSpPr>
-          <p:nvPr>
-            <p:ph type="dt" sz="half" idx="10"/>
-          </p:nvPr>
-        </p:nvSpPr>
-        <p:spPr/>
-        <p:txBody>
-          <a:bodyPr/>
-          <a:lstStyle/>
-          <a:p>
-            <a:fld id="{1C1FBBDB-9DA1-4AA6-A990-B1A599CBC769}" type="datetime2">
-              <a:rPr lang="en-US" smtClean="0"/>
-              <a:t>Friday, June 8, 2018</a:t>
-            </a:fld>
-            <a:endParaRPr lang="he-IL"/>
           </a:p>
         </p:txBody>
       </p:sp>
@@ -8068,10 +10134,235 @@
           </a:p>
         </p:txBody>
       </p:sp>
+      <p:pic>
+        <p:nvPicPr>
+          <p:cNvPr id="9" name="Picture 8"/>
+          <p:cNvPicPr>
+            <a:picLocks noChangeAspect="1"/>
+          </p:cNvPicPr>
+          <p:nvPr/>
+        </p:nvPicPr>
+        <p:blipFill>
+          <a:blip r:embed="rId3"/>
+          <a:stretch>
+            <a:fillRect/>
+          </a:stretch>
+        </p:blipFill>
+        <p:spPr>
+          <a:xfrm>
+            <a:off x="2363333" y="1588308"/>
+            <a:ext cx="5008676" cy="3524250"/>
+          </a:xfrm>
+          <a:prstGeom prst="rect">
+            <a:avLst/>
+          </a:prstGeom>
+        </p:spPr>
+      </p:pic>
+      <p:pic>
+        <p:nvPicPr>
+          <p:cNvPr id="11" name="Picture 10"/>
+          <p:cNvPicPr>
+            <a:picLocks noChangeAspect="1"/>
+          </p:cNvPicPr>
+          <p:nvPr/>
+        </p:nvPicPr>
+        <p:blipFill>
+          <a:blip r:embed="rId4"/>
+          <a:stretch>
+            <a:fillRect/>
+          </a:stretch>
+        </p:blipFill>
+        <p:spPr>
+          <a:xfrm>
+            <a:off x="7276400" y="421120"/>
+            <a:ext cx="3866481" cy="2890403"/>
+          </a:xfrm>
+          <a:prstGeom prst="rect">
+            <a:avLst/>
+          </a:prstGeom>
+          <a:noFill/>
+          <a:ln>
+            <a:solidFill>
+              <a:srgbClr val="FF0000"/>
+            </a:solidFill>
+          </a:ln>
+        </p:spPr>
+      </p:pic>
+      <p:pic>
+        <p:nvPicPr>
+          <p:cNvPr id="12" name="Picture 11"/>
+          <p:cNvPicPr>
+            <a:picLocks noChangeAspect="1"/>
+          </p:cNvPicPr>
+          <p:nvPr/>
+        </p:nvPicPr>
+        <p:blipFill>
+          <a:blip r:embed="rId5"/>
+          <a:stretch>
+            <a:fillRect/>
+          </a:stretch>
+        </p:blipFill>
+        <p:spPr>
+          <a:xfrm>
+            <a:off x="7276401" y="3350433"/>
+            <a:ext cx="3866480" cy="2860677"/>
+          </a:xfrm>
+          <a:prstGeom prst="rect">
+            <a:avLst/>
+          </a:prstGeom>
+          <a:ln>
+            <a:solidFill>
+              <a:srgbClr val="00B0F0"/>
+            </a:solidFill>
+          </a:ln>
+        </p:spPr>
+      </p:pic>
+      <p:sp>
+        <p:nvSpPr>
+          <p:cNvPr id="13" name="Title 1"/>
+          <p:cNvSpPr txBox="1">
+            <a:spLocks/>
+          </p:cNvSpPr>
+          <p:nvPr/>
+        </p:nvSpPr>
+        <p:spPr>
+          <a:xfrm>
+            <a:off x="7584308" y="565234"/>
+            <a:ext cx="1448032" cy="670391"/>
+          </a:xfrm>
+          <a:prstGeom prst="rect">
+            <a:avLst/>
+          </a:prstGeom>
+        </p:spPr>
+        <p:txBody>
+          <a:bodyPr vert="horz" lIns="91440" tIns="45720" rIns="91440" bIns="45720" rtlCol="0" anchor="b">
+            <a:normAutofit/>
+          </a:bodyPr>
+          <a:lstStyle>
+            <a:lvl1pPr algn="l" defTabSz="914400" rtl="0" eaLnBrk="1" latinLnBrk="0" hangingPunct="1">
+              <a:lnSpc>
+                <a:spcPct val="90000"/>
+              </a:lnSpc>
+              <a:spcBef>
+                <a:spcPct val="0"/>
+              </a:spcBef>
+              <a:buNone/>
+              <a:defRPr sz="4400" kern="1200" spc="-50" baseline="0">
+                <a:solidFill>
+                  <a:schemeClr val="tx1"/>
+                </a:solidFill>
+                <a:latin typeface="+mj-lt"/>
+                <a:ea typeface="+mj-ea"/>
+                <a:cs typeface="+mj-cs"/>
+              </a:defRPr>
+            </a:lvl1pPr>
+          </a:lstStyle>
+          <a:p>
+            <a:r>
+              <a:rPr lang="en-US" sz="2400" dirty="0" smtClean="0">
+                <a:solidFill>
+                  <a:srgbClr val="FF0000"/>
+                </a:solidFill>
+              </a:rPr>
+              <a:t>LSTM</a:t>
+            </a:r>
+            <a:endParaRPr lang="he-IL" sz="2400" dirty="0">
+              <a:solidFill>
+                <a:srgbClr val="FF0000"/>
+              </a:solidFill>
+            </a:endParaRPr>
+          </a:p>
+        </p:txBody>
+      </p:sp>
+      <p:sp>
+        <p:nvSpPr>
+          <p:cNvPr id="14" name="Title 1"/>
+          <p:cNvSpPr txBox="1">
+            <a:spLocks/>
+          </p:cNvSpPr>
+          <p:nvPr/>
+        </p:nvSpPr>
+        <p:spPr>
+          <a:xfrm>
+            <a:off x="7584308" y="3436356"/>
+            <a:ext cx="1817981" cy="670391"/>
+          </a:xfrm>
+          <a:prstGeom prst="rect">
+            <a:avLst/>
+          </a:prstGeom>
+        </p:spPr>
+        <p:txBody>
+          <a:bodyPr vert="horz" lIns="91440" tIns="45720" rIns="91440" bIns="45720" rtlCol="0" anchor="b">
+            <a:normAutofit/>
+          </a:bodyPr>
+          <a:lstStyle>
+            <a:lvl1pPr algn="l" defTabSz="914400" rtl="0" eaLnBrk="1" latinLnBrk="0" hangingPunct="1">
+              <a:lnSpc>
+                <a:spcPct val="90000"/>
+              </a:lnSpc>
+              <a:spcBef>
+                <a:spcPct val="0"/>
+              </a:spcBef>
+              <a:buNone/>
+              <a:defRPr sz="4400" kern="1200" spc="-50" baseline="0">
+                <a:solidFill>
+                  <a:schemeClr val="tx1"/>
+                </a:solidFill>
+                <a:latin typeface="+mj-lt"/>
+                <a:ea typeface="+mj-ea"/>
+                <a:cs typeface="+mj-cs"/>
+              </a:defRPr>
+            </a:lvl1pPr>
+          </a:lstStyle>
+          <a:p>
+            <a:r>
+              <a:rPr lang="en-US" sz="2400" dirty="0" smtClean="0">
+                <a:solidFill>
+                  <a:srgbClr val="00B0F0"/>
+                </a:solidFill>
+              </a:rPr>
+              <a:t>Frequency</a:t>
+            </a:r>
+            <a:endParaRPr lang="he-IL" sz="2400" dirty="0">
+              <a:solidFill>
+                <a:srgbClr val="00B0F0"/>
+              </a:solidFill>
+            </a:endParaRPr>
+          </a:p>
+        </p:txBody>
+      </p:sp>
+      <p:sp>
+        <p:nvSpPr>
+          <p:cNvPr id="15" name="Title 1"/>
+          <p:cNvSpPr>
+            <a:spLocks noGrp="1"/>
+          </p:cNvSpPr>
+          <p:nvPr>
+            <p:ph type="title"/>
+          </p:nvPr>
+        </p:nvSpPr>
+        <p:spPr>
+          <a:xfrm>
+            <a:off x="241963" y="-457206"/>
+            <a:ext cx="9692640" cy="1325562"/>
+          </a:xfrm>
+        </p:spPr>
+        <p:txBody>
+          <a:bodyPr/>
+          <a:lstStyle/>
+          <a:p>
+            <a:r>
+              <a:rPr lang="en-US" dirty="0" smtClean="0"/>
+              <a:t>Results</a:t>
+            </a:r>
+            <a:endParaRPr lang="en-US" dirty="0"/>
+          </a:p>
+        </p:txBody>
+      </p:sp>
     </p:spTree>
     <p:extLst>
       <p:ext uri="{BB962C8B-B14F-4D97-AF65-F5344CB8AC3E}">
-        <p14:creationId xmlns:p14="http://schemas.microsoft.com/office/powerpoint/2010/main" val="3696088683"/>
+        <p14:creationId xmlns:p14="http://schemas.microsoft.com/office/powerpoint/2010/main" val="3770866524"/>
       </p:ext>
     </p:extLst>
   </p:cSld>
@@ -8081,9 +10372,276 @@
   <p:timing>
     <p:tnLst>
       <p:par>
-        <p:cTn id="1" dur="indefinite" restart="never" nodeType="tmRoot"/>
+        <p:cTn id="1" dur="indefinite" restart="never" nodeType="tmRoot">
+          <p:childTnLst>
+            <p:seq concurrent="1" nextAc="seek">
+              <p:cTn id="2" dur="indefinite" nodeType="mainSeq">
+                <p:childTnLst>
+                  <p:par>
+                    <p:cTn id="3" fill="hold">
+                      <p:stCondLst>
+                        <p:cond delay="indefinite"/>
+                      </p:stCondLst>
+                      <p:childTnLst>
+                        <p:par>
+                          <p:cTn id="4" fill="hold">
+                            <p:stCondLst>
+                              <p:cond delay="0"/>
+                            </p:stCondLst>
+                            <p:childTnLst>
+                              <p:par>
+                                <p:cTn id="5" presetID="1" presetClass="entr" presetSubtype="0" fill="hold" grpId="0" nodeType="clickEffect">
+                                  <p:stCondLst>
+                                    <p:cond delay="0"/>
+                                  </p:stCondLst>
+                                  <p:childTnLst>
+                                    <p:set>
+                                      <p:cBhvr>
+                                        <p:cTn id="6" dur="1" fill="hold">
+                                          <p:stCondLst>
+                                            <p:cond delay="0"/>
+                                          </p:stCondLst>
+                                        </p:cTn>
+                                        <p:tgtEl>
+                                          <p:spTgt spid="3">
+                                            <p:txEl>
+                                              <p:pRg st="0" end="0"/>
+                                            </p:txEl>
+                                          </p:spTgt>
+                                        </p:tgtEl>
+                                        <p:attrNameLst>
+                                          <p:attrName>style.visibility</p:attrName>
+                                        </p:attrNameLst>
+                                      </p:cBhvr>
+                                      <p:to>
+                                        <p:strVal val="visible"/>
+                                      </p:to>
+                                    </p:set>
+                                  </p:childTnLst>
+                                </p:cTn>
+                              </p:par>
+                            </p:childTnLst>
+                          </p:cTn>
+                        </p:par>
+                      </p:childTnLst>
+                    </p:cTn>
+                  </p:par>
+                  <p:par>
+                    <p:cTn id="7" fill="hold">
+                      <p:stCondLst>
+                        <p:cond delay="indefinite"/>
+                      </p:stCondLst>
+                      <p:childTnLst>
+                        <p:par>
+                          <p:cTn id="8" fill="hold">
+                            <p:stCondLst>
+                              <p:cond delay="0"/>
+                            </p:stCondLst>
+                            <p:childTnLst>
+                              <p:par>
+                                <p:cTn id="9" presetID="1" presetClass="entr" presetSubtype="0" fill="hold" grpId="0" nodeType="clickEffect">
+                                  <p:stCondLst>
+                                    <p:cond delay="0"/>
+                                  </p:stCondLst>
+                                  <p:childTnLst>
+                                    <p:set>
+                                      <p:cBhvr>
+                                        <p:cTn id="10" dur="1" fill="hold">
+                                          <p:stCondLst>
+                                            <p:cond delay="0"/>
+                                          </p:stCondLst>
+                                        </p:cTn>
+                                        <p:tgtEl>
+                                          <p:spTgt spid="3">
+                                            <p:txEl>
+                                              <p:pRg st="1" end="1"/>
+                                            </p:txEl>
+                                          </p:spTgt>
+                                        </p:tgtEl>
+                                        <p:attrNameLst>
+                                          <p:attrName>style.visibility</p:attrName>
+                                        </p:attrNameLst>
+                                      </p:cBhvr>
+                                      <p:to>
+                                        <p:strVal val="visible"/>
+                                      </p:to>
+                                    </p:set>
+                                  </p:childTnLst>
+                                </p:cTn>
+                              </p:par>
+                            </p:childTnLst>
+                          </p:cTn>
+                        </p:par>
+                      </p:childTnLst>
+                    </p:cTn>
+                  </p:par>
+                  <p:par>
+                    <p:cTn id="11" fill="hold">
+                      <p:stCondLst>
+                        <p:cond delay="indefinite"/>
+                      </p:stCondLst>
+                      <p:childTnLst>
+                        <p:par>
+                          <p:cTn id="12" fill="hold">
+                            <p:stCondLst>
+                              <p:cond delay="0"/>
+                            </p:stCondLst>
+                            <p:childTnLst>
+                              <p:par>
+                                <p:cTn id="13" presetID="1" presetClass="entr" presetSubtype="0" fill="hold" grpId="0" nodeType="clickEffect">
+                                  <p:stCondLst>
+                                    <p:cond delay="0"/>
+                                  </p:stCondLst>
+                                  <p:childTnLst>
+                                    <p:set>
+                                      <p:cBhvr>
+                                        <p:cTn id="14" dur="1" fill="hold">
+                                          <p:stCondLst>
+                                            <p:cond delay="0"/>
+                                          </p:stCondLst>
+                                        </p:cTn>
+                                        <p:tgtEl>
+                                          <p:spTgt spid="3">
+                                            <p:txEl>
+                                              <p:pRg st="2" end="2"/>
+                                            </p:txEl>
+                                          </p:spTgt>
+                                        </p:tgtEl>
+                                        <p:attrNameLst>
+                                          <p:attrName>style.visibility</p:attrName>
+                                        </p:attrNameLst>
+                                      </p:cBhvr>
+                                      <p:to>
+                                        <p:strVal val="visible"/>
+                                      </p:to>
+                                    </p:set>
+                                  </p:childTnLst>
+                                </p:cTn>
+                              </p:par>
+                            </p:childTnLst>
+                          </p:cTn>
+                        </p:par>
+                      </p:childTnLst>
+                    </p:cTn>
+                  </p:par>
+                  <p:par>
+                    <p:cTn id="15" fill="hold">
+                      <p:stCondLst>
+                        <p:cond delay="indefinite"/>
+                      </p:stCondLst>
+                      <p:childTnLst>
+                        <p:par>
+                          <p:cTn id="16" fill="hold">
+                            <p:stCondLst>
+                              <p:cond delay="0"/>
+                            </p:stCondLst>
+                            <p:childTnLst>
+                              <p:par>
+                                <p:cTn id="17" presetID="1" presetClass="entr" presetSubtype="0" fill="hold" grpId="0" nodeType="clickEffect">
+                                  <p:stCondLst>
+                                    <p:cond delay="0"/>
+                                  </p:stCondLst>
+                                  <p:childTnLst>
+                                    <p:set>
+                                      <p:cBhvr>
+                                        <p:cTn id="18" dur="1" fill="hold">
+                                          <p:stCondLst>
+                                            <p:cond delay="0"/>
+                                          </p:stCondLst>
+                                        </p:cTn>
+                                        <p:tgtEl>
+                                          <p:spTgt spid="3">
+                                            <p:txEl>
+                                              <p:pRg st="3" end="3"/>
+                                            </p:txEl>
+                                          </p:spTgt>
+                                        </p:tgtEl>
+                                        <p:attrNameLst>
+                                          <p:attrName>style.visibility</p:attrName>
+                                        </p:attrNameLst>
+                                      </p:cBhvr>
+                                      <p:to>
+                                        <p:strVal val="visible"/>
+                                      </p:to>
+                                    </p:set>
+                                  </p:childTnLst>
+                                </p:cTn>
+                              </p:par>
+                            </p:childTnLst>
+                          </p:cTn>
+                        </p:par>
+                      </p:childTnLst>
+                    </p:cTn>
+                  </p:par>
+                  <p:par>
+                    <p:cTn id="19" fill="hold">
+                      <p:stCondLst>
+                        <p:cond delay="indefinite"/>
+                      </p:stCondLst>
+                      <p:childTnLst>
+                        <p:par>
+                          <p:cTn id="20" fill="hold">
+                            <p:stCondLst>
+                              <p:cond delay="0"/>
+                            </p:stCondLst>
+                            <p:childTnLst>
+                              <p:par>
+                                <p:cTn id="21" presetID="1" presetClass="entr" presetSubtype="0" fill="hold" nodeType="clickEffect">
+                                  <p:stCondLst>
+                                    <p:cond delay="0"/>
+                                  </p:stCondLst>
+                                  <p:childTnLst>
+                                    <p:set>
+                                      <p:cBhvr>
+                                        <p:cTn id="22" dur="1" fill="hold">
+                                          <p:stCondLst>
+                                            <p:cond delay="0"/>
+                                          </p:stCondLst>
+                                        </p:cTn>
+                                        <p:tgtEl>
+                                          <p:spTgt spid="9"/>
+                                        </p:tgtEl>
+                                        <p:attrNameLst>
+                                          <p:attrName>style.visibility</p:attrName>
+                                        </p:attrNameLst>
+                                      </p:cBhvr>
+                                      <p:to>
+                                        <p:strVal val="visible"/>
+                                      </p:to>
+                                    </p:set>
+                                  </p:childTnLst>
+                                </p:cTn>
+                              </p:par>
+                            </p:childTnLst>
+                          </p:cTn>
+                        </p:par>
+                      </p:childTnLst>
+                    </p:cTn>
+                  </p:par>
+                </p:childTnLst>
+              </p:cTn>
+              <p:prevCondLst>
+                <p:cond evt="onPrev" delay="0">
+                  <p:tgtEl>
+                    <p:sldTgt/>
+                  </p:tgtEl>
+                </p:cond>
+              </p:prevCondLst>
+              <p:nextCondLst>
+                <p:cond evt="onNext" delay="0">
+                  <p:tgtEl>
+                    <p:sldTgt/>
+                  </p:tgtEl>
+                </p:cond>
+              </p:nextCondLst>
+            </p:seq>
+          </p:childTnLst>
+        </p:cTn>
       </p:par>
     </p:tnLst>
+    <p:bldLst>
+      <p:bldP spid="3" grpId="0" uiExpand="1" build="p"/>
+    </p:bldLst>
   </p:timing>
 </p:sld>
 </file>
@@ -8107,63 +10665,39 @@
       </p:grpSpPr>
       <p:sp>
         <p:nvSpPr>
-          <p:cNvPr id="3" name="Content Placeholder 2"/>
-          <p:cNvSpPr>
-            <a:spLocks noGrp="1"/>
-          </p:cNvSpPr>
-          <p:nvPr>
-            <p:ph idx="1"/>
-          </p:nvPr>
-        </p:nvSpPr>
-        <p:spPr>
-          <a:xfrm>
-            <a:off x="683259" y="0"/>
-            <a:ext cx="3376123" cy="4919661"/>
-          </a:xfrm>
-        </p:spPr>
+          <p:cNvPr id="2" name="Title 1"/>
+          <p:cNvSpPr>
+            <a:spLocks noGrp="1"/>
+          </p:cNvSpPr>
+          <p:nvPr>
+            <p:ph type="title"/>
+          </p:nvPr>
+        </p:nvSpPr>
+        <p:spPr/>
         <p:txBody>
           <a:bodyPr/>
           <a:lstStyle/>
           <a:p>
             <a:r>
+              <a:rPr lang="en-US" dirty="0"/>
+              <a:t>Approach </a:t>
+            </a:r>
+            <a:r>
               <a:rPr lang="en-US" dirty="0" smtClean="0"/>
-              <a:t>Min threshold 0 </a:t>
-            </a:r>
-          </a:p>
-          <a:p>
-            <a:r>
-              <a:rPr lang="en-US" dirty="0" smtClean="0"/>
-              <a:t>Max threshold 1</a:t>
+              <a:t>II</a:t>
             </a:r>
             <a:endParaRPr lang="en-US" dirty="0"/>
           </a:p>
-          <a:p>
-            <a:r>
-              <a:rPr lang="en-US" dirty="0" smtClean="0"/>
-              <a:t>Average threshold 0.0135</a:t>
-            </a:r>
-          </a:p>
-          <a:p>
-            <a:r>
-              <a:rPr lang="en-US" dirty="0" err="1" smtClean="0"/>
-              <a:t>Timestemps</a:t>
-            </a:r>
-            <a:r>
-              <a:rPr lang="en-US" dirty="0" smtClean="0"/>
-              <a:t> 2</a:t>
-            </a:r>
-            <a:endParaRPr lang="en-US" dirty="0"/>
-          </a:p>
-        </p:txBody>
-      </p:sp>
-      <p:sp>
-        <p:nvSpPr>
-          <p:cNvPr id="4" name="Date Placeholder 3"/>
-          <p:cNvSpPr>
-            <a:spLocks noGrp="1"/>
-          </p:cNvSpPr>
-          <p:nvPr>
-            <p:ph type="dt" sz="half" idx="10"/>
+        </p:txBody>
+      </p:sp>
+      <p:sp>
+        <p:nvSpPr>
+          <p:cNvPr id="3" name="Content Placeholder 2"/>
+          <p:cNvSpPr>
+            <a:spLocks noGrp="1"/>
+          </p:cNvSpPr>
+          <p:nvPr>
+            <p:ph idx="1"/>
           </p:nvPr>
         </p:nvSpPr>
         <p:spPr/>
@@ -8171,11 +10705,7 @@
           <a:bodyPr/>
           <a:lstStyle/>
           <a:p>
-            <a:fld id="{1C1FBBDB-9DA1-4AA6-A990-B1A599CBC769}" type="datetime2">
-              <a:rPr lang="en-US" smtClean="0"/>
-              <a:t>Friday, June 8, 2018</a:t>
-            </a:fld>
-            <a:endParaRPr lang="he-IL"/>
+            <a:endParaRPr lang="en-US"/>
           </a:p>
         </p:txBody>
       </p:sp>
@@ -8204,397 +10734,10 @@
           </a:p>
         </p:txBody>
       </p:sp>
-      <p:pic>
-        <p:nvPicPr>
-          <p:cNvPr id="6" name="Picture 5"/>
-          <p:cNvPicPr>
-            <a:picLocks noChangeAspect="1"/>
-          </p:cNvPicPr>
-          <p:nvPr/>
-        </p:nvPicPr>
-        <p:blipFill>
-          <a:blip r:embed="rId3"/>
-          <a:stretch>
-            <a:fillRect/>
-          </a:stretch>
-        </p:blipFill>
-        <p:spPr>
-          <a:xfrm>
-            <a:off x="5419862" y="2133599"/>
-            <a:ext cx="4333875" cy="1123950"/>
-          </a:xfrm>
-          <a:prstGeom prst="rect">
-            <a:avLst/>
-          </a:prstGeom>
-        </p:spPr>
-      </p:pic>
-      <p:pic>
-        <p:nvPicPr>
-          <p:cNvPr id="7" name="Picture 6"/>
-          <p:cNvPicPr>
-            <a:picLocks noChangeAspect="1"/>
-          </p:cNvPicPr>
-          <p:nvPr/>
-        </p:nvPicPr>
-        <p:blipFill>
-          <a:blip r:embed="rId4"/>
-          <a:stretch>
-            <a:fillRect/>
-          </a:stretch>
-        </p:blipFill>
-        <p:spPr>
-          <a:xfrm>
-            <a:off x="5887810" y="3417886"/>
-            <a:ext cx="4248150" cy="3067050"/>
-          </a:xfrm>
-          <a:prstGeom prst="rect">
-            <a:avLst/>
-          </a:prstGeom>
-        </p:spPr>
-      </p:pic>
-      <p:pic>
-        <p:nvPicPr>
-          <p:cNvPr id="2" name="Picture 1"/>
-          <p:cNvPicPr>
-            <a:picLocks noChangeAspect="1"/>
-          </p:cNvPicPr>
-          <p:nvPr/>
-        </p:nvPicPr>
-        <p:blipFill>
-          <a:blip r:embed="rId5"/>
-          <a:stretch>
-            <a:fillRect/>
-          </a:stretch>
-        </p:blipFill>
-        <p:spPr>
-          <a:xfrm>
-            <a:off x="807259" y="1981055"/>
-            <a:ext cx="4333875" cy="1152525"/>
-          </a:xfrm>
-          <a:prstGeom prst="rect">
-            <a:avLst/>
-          </a:prstGeom>
-        </p:spPr>
-      </p:pic>
-      <p:pic>
-        <p:nvPicPr>
-          <p:cNvPr id="8" name="Picture 7"/>
-          <p:cNvPicPr>
-            <a:picLocks noChangeAspect="1"/>
-          </p:cNvPicPr>
-          <p:nvPr/>
-        </p:nvPicPr>
-        <p:blipFill>
-          <a:blip r:embed="rId6"/>
-          <a:stretch>
-            <a:fillRect/>
-          </a:stretch>
-        </p:blipFill>
-        <p:spPr>
-          <a:xfrm>
-            <a:off x="361488" y="3257549"/>
-            <a:ext cx="4724400" cy="3324225"/>
-          </a:xfrm>
-          <a:prstGeom prst="rect">
-            <a:avLst/>
-          </a:prstGeom>
-        </p:spPr>
-      </p:pic>
-      <p:sp>
-        <p:nvSpPr>
-          <p:cNvPr id="9" name="Content Placeholder 2"/>
-          <p:cNvSpPr txBox="1">
-            <a:spLocks/>
-          </p:cNvSpPr>
-          <p:nvPr/>
-        </p:nvSpPr>
-        <p:spPr>
-          <a:xfrm>
-            <a:off x="6129307" y="110837"/>
-            <a:ext cx="3376123" cy="4808824"/>
-          </a:xfrm>
-          <a:prstGeom prst="rect">
-            <a:avLst/>
-          </a:prstGeom>
-        </p:spPr>
-        <p:txBody>
-          <a:bodyPr vert="horz" lIns="91440" tIns="45720" rIns="91440" bIns="45720" rtlCol="0">
-            <a:normAutofit/>
-          </a:bodyPr>
-          <a:lstStyle>
-            <a:lvl1pPr marL="182880" indent="-182880" algn="l" defTabSz="914400" rtl="0" eaLnBrk="1" latinLnBrk="0" hangingPunct="1">
-              <a:lnSpc>
-                <a:spcPct val="95000"/>
-              </a:lnSpc>
-              <a:spcBef>
-                <a:spcPts val="1400"/>
-              </a:spcBef>
-              <a:spcAft>
-                <a:spcPts val="200"/>
-              </a:spcAft>
-              <a:buClr>
-                <a:schemeClr val="accent1"/>
-              </a:buClr>
-              <a:buSzPct val="80000"/>
-              <a:buFont typeface="Arial" pitchFamily="34" charset="0"/>
-              <a:buChar char="•"/>
-              <a:defRPr sz="1800" kern="1200" spc="10" baseline="0">
-                <a:solidFill>
-                  <a:schemeClr val="tx1"/>
-                </a:solidFill>
-                <a:latin typeface="+mn-lt"/>
-                <a:ea typeface="+mn-ea"/>
-                <a:cs typeface="+mn-cs"/>
-              </a:defRPr>
-            </a:lvl1pPr>
-            <a:lvl2pPr marL="457200" indent="-182880" algn="l" defTabSz="914400" rtl="0" eaLnBrk="1" latinLnBrk="0" hangingPunct="1">
-              <a:lnSpc>
-                <a:spcPct val="90000"/>
-              </a:lnSpc>
-              <a:spcBef>
-                <a:spcPts val="300"/>
-              </a:spcBef>
-              <a:spcAft>
-                <a:spcPts val="300"/>
-              </a:spcAft>
-              <a:buClr>
-                <a:schemeClr val="accent1"/>
-              </a:buClr>
-              <a:buFont typeface="Wingdings 2" pitchFamily="18" charset="2"/>
-              <a:buChar char=""/>
-              <a:defRPr sz="1600" kern="1200">
-                <a:solidFill>
-                  <a:schemeClr val="tx1">
-                    <a:lumMod val="85000"/>
-                    <a:lumOff val="15000"/>
-                  </a:schemeClr>
-                </a:solidFill>
-                <a:latin typeface="+mn-lt"/>
-                <a:ea typeface="+mn-ea"/>
-                <a:cs typeface="+mn-cs"/>
-              </a:defRPr>
-            </a:lvl2pPr>
-            <a:lvl3pPr marL="731520" indent="-182880" algn="l" defTabSz="914400" rtl="0" eaLnBrk="1" latinLnBrk="0" hangingPunct="1">
-              <a:lnSpc>
-                <a:spcPct val="90000"/>
-              </a:lnSpc>
-              <a:spcBef>
-                <a:spcPts val="300"/>
-              </a:spcBef>
-              <a:spcAft>
-                <a:spcPts val="300"/>
-              </a:spcAft>
-              <a:buClr>
-                <a:schemeClr val="accent1"/>
-              </a:buClr>
-              <a:buFont typeface="Wingdings 2" pitchFamily="18" charset="2"/>
-              <a:buChar char=""/>
-              <a:defRPr sz="1400" kern="1200">
-                <a:solidFill>
-                  <a:schemeClr val="tx1">
-                    <a:lumMod val="85000"/>
-                    <a:lumOff val="15000"/>
-                  </a:schemeClr>
-                </a:solidFill>
-                <a:latin typeface="+mn-lt"/>
-                <a:ea typeface="+mn-ea"/>
-                <a:cs typeface="+mn-cs"/>
-              </a:defRPr>
-            </a:lvl3pPr>
-            <a:lvl4pPr marL="1005840" indent="-182880" algn="l" defTabSz="914400" rtl="0" eaLnBrk="1" latinLnBrk="0" hangingPunct="1">
-              <a:lnSpc>
-                <a:spcPct val="90000"/>
-              </a:lnSpc>
-              <a:spcBef>
-                <a:spcPts val="300"/>
-              </a:spcBef>
-              <a:spcAft>
-                <a:spcPts val="300"/>
-              </a:spcAft>
-              <a:buClr>
-                <a:schemeClr val="accent1"/>
-              </a:buClr>
-              <a:buFont typeface="Wingdings 2" pitchFamily="18" charset="2"/>
-              <a:buChar char=""/>
-              <a:defRPr sz="1400" kern="1200">
-                <a:solidFill>
-                  <a:schemeClr val="tx1">
-                    <a:lumMod val="85000"/>
-                    <a:lumOff val="15000"/>
-                  </a:schemeClr>
-                </a:solidFill>
-                <a:latin typeface="+mn-lt"/>
-                <a:ea typeface="+mn-ea"/>
-                <a:cs typeface="+mn-cs"/>
-              </a:defRPr>
-            </a:lvl4pPr>
-            <a:lvl5pPr marL="1280160" indent="-182880" algn="l" defTabSz="914400" rtl="0" eaLnBrk="1" latinLnBrk="0" hangingPunct="1">
-              <a:lnSpc>
-                <a:spcPct val="90000"/>
-              </a:lnSpc>
-              <a:spcBef>
-                <a:spcPts val="300"/>
-              </a:spcBef>
-              <a:spcAft>
-                <a:spcPts val="300"/>
-              </a:spcAft>
-              <a:buClr>
-                <a:schemeClr val="accent1"/>
-              </a:buClr>
-              <a:buFont typeface="Wingdings 2" pitchFamily="18" charset="2"/>
-              <a:buChar char=""/>
-              <a:defRPr sz="1400" kern="1200">
-                <a:solidFill>
-                  <a:schemeClr val="tx1">
-                    <a:lumMod val="85000"/>
-                    <a:lumOff val="15000"/>
-                  </a:schemeClr>
-                </a:solidFill>
-                <a:latin typeface="+mn-lt"/>
-                <a:ea typeface="+mn-ea"/>
-                <a:cs typeface="+mn-cs"/>
-              </a:defRPr>
-            </a:lvl5pPr>
-            <a:lvl6pPr marL="1600000" indent="-228600" algn="l" defTabSz="914400" rtl="0" eaLnBrk="1" latinLnBrk="0" hangingPunct="1">
-              <a:lnSpc>
-                <a:spcPct val="90000"/>
-              </a:lnSpc>
-              <a:spcBef>
-                <a:spcPts val="300"/>
-              </a:spcBef>
-              <a:spcAft>
-                <a:spcPts val="300"/>
-              </a:spcAft>
-              <a:buClr>
-                <a:schemeClr val="accent1"/>
-              </a:buClr>
-              <a:buFont typeface="Wingdings 2" pitchFamily="18" charset="2"/>
-              <a:buChar char=""/>
-              <a:defRPr sz="1400" kern="1200">
-                <a:solidFill>
-                  <a:schemeClr val="tx1">
-                    <a:lumMod val="85000"/>
-                    <a:lumOff val="15000"/>
-                  </a:schemeClr>
-                </a:solidFill>
-                <a:latin typeface="+mn-lt"/>
-                <a:ea typeface="+mn-ea"/>
-                <a:cs typeface="+mn-cs"/>
-              </a:defRPr>
-            </a:lvl6pPr>
-            <a:lvl7pPr marL="1900000" indent="-228600" algn="l" defTabSz="914400" rtl="0" eaLnBrk="1" latinLnBrk="0" hangingPunct="1">
-              <a:lnSpc>
-                <a:spcPct val="90000"/>
-              </a:lnSpc>
-              <a:spcBef>
-                <a:spcPts val="300"/>
-              </a:spcBef>
-              <a:spcAft>
-                <a:spcPts val="300"/>
-              </a:spcAft>
-              <a:buClr>
-                <a:schemeClr val="accent1"/>
-              </a:buClr>
-              <a:buFont typeface="Wingdings 2" pitchFamily="18" charset="2"/>
-              <a:buChar char=""/>
-              <a:defRPr sz="1400" kern="1200">
-                <a:solidFill>
-                  <a:schemeClr val="tx1">
-                    <a:lumMod val="85000"/>
-                    <a:lumOff val="15000"/>
-                  </a:schemeClr>
-                </a:solidFill>
-                <a:latin typeface="+mn-lt"/>
-                <a:ea typeface="+mn-ea"/>
-                <a:cs typeface="+mn-cs"/>
-              </a:defRPr>
-            </a:lvl7pPr>
-            <a:lvl8pPr marL="2200000" indent="-228600" algn="l" defTabSz="914400" rtl="0" eaLnBrk="1" latinLnBrk="0" hangingPunct="1">
-              <a:lnSpc>
-                <a:spcPct val="90000"/>
-              </a:lnSpc>
-              <a:spcBef>
-                <a:spcPts val="300"/>
-              </a:spcBef>
-              <a:spcAft>
-                <a:spcPts val="300"/>
-              </a:spcAft>
-              <a:buClr>
-                <a:schemeClr val="accent1"/>
-              </a:buClr>
-              <a:buFont typeface="Wingdings 2" pitchFamily="18" charset="2"/>
-              <a:buChar char=""/>
-              <a:defRPr sz="1400" kern="1200">
-                <a:solidFill>
-                  <a:schemeClr val="tx1">
-                    <a:lumMod val="85000"/>
-                    <a:lumOff val="15000"/>
-                  </a:schemeClr>
-                </a:solidFill>
-                <a:latin typeface="+mn-lt"/>
-                <a:ea typeface="+mn-ea"/>
-                <a:cs typeface="+mn-cs"/>
-              </a:defRPr>
-            </a:lvl8pPr>
-            <a:lvl9pPr marL="2500000" indent="-228600" algn="l" defTabSz="914400" rtl="0" eaLnBrk="1" latinLnBrk="0" hangingPunct="1">
-              <a:lnSpc>
-                <a:spcPct val="90000"/>
-              </a:lnSpc>
-              <a:spcBef>
-                <a:spcPts val="300"/>
-              </a:spcBef>
-              <a:spcAft>
-                <a:spcPts val="300"/>
-              </a:spcAft>
-              <a:buClr>
-                <a:schemeClr val="accent1"/>
-              </a:buClr>
-              <a:buFont typeface="Wingdings 2" pitchFamily="18" charset="2"/>
-              <a:buChar char=""/>
-              <a:defRPr sz="1400" kern="1200">
-                <a:solidFill>
-                  <a:schemeClr val="tx1">
-                    <a:lumMod val="85000"/>
-                    <a:lumOff val="15000"/>
-                  </a:schemeClr>
-                </a:solidFill>
-                <a:latin typeface="+mn-lt"/>
-                <a:ea typeface="+mn-ea"/>
-                <a:cs typeface="+mn-cs"/>
-              </a:defRPr>
-            </a:lvl9pPr>
-          </a:lstStyle>
-          <a:p>
-            <a:r>
-              <a:rPr lang="en-US" dirty="0" smtClean="0"/>
-              <a:t>Min threshold 1e-13</a:t>
-            </a:r>
-          </a:p>
-          <a:p>
-            <a:r>
-              <a:rPr lang="en-US" dirty="0" smtClean="0"/>
-              <a:t>Max threshold 1</a:t>
-            </a:r>
-          </a:p>
-          <a:p>
-            <a:r>
-              <a:rPr lang="en-US" dirty="0" smtClean="0"/>
-              <a:t>Average threshold 0.05</a:t>
-            </a:r>
-          </a:p>
-          <a:p>
-            <a:r>
-              <a:rPr lang="en-US" smtClean="0"/>
-              <a:t>No timestamps (1)</a:t>
-            </a:r>
-            <a:endParaRPr lang="en-US" dirty="0"/>
-          </a:p>
-        </p:txBody>
-      </p:sp>
     </p:spTree>
     <p:extLst>
       <p:ext uri="{BB962C8B-B14F-4D97-AF65-F5344CB8AC3E}">
-        <p14:creationId xmlns:p14="http://schemas.microsoft.com/office/powerpoint/2010/main" val="807683859"/>
+        <p14:creationId xmlns:p14="http://schemas.microsoft.com/office/powerpoint/2010/main" val="2645176571"/>
       </p:ext>
     </p:extLst>
   </p:cSld>
